--- a/slides/Dantoni-Opsgility-MSFabric-Module10.pptx
+++ b/slides/Dantoni-Opsgility-MSFabric-Module10.pptx
@@ -5,7 +5,7 @@
     <p:sldMasterId id="2147483660" r:id="rId4"/>
   </p:sldMasterIdLst>
   <p:notesMasterIdLst>
-    <p:notesMasterId r:id="rId24"/>
+    <p:notesMasterId r:id="rId25"/>
   </p:notesMasterIdLst>
   <p:sldIdLst>
     <p:sldId id="2147470553" r:id="rId5"/>
@@ -25,8 +25,9 @@
     <p:sldId id="1912" r:id="rId19"/>
     <p:sldId id="2147470560" r:id="rId20"/>
     <p:sldId id="1935" r:id="rId21"/>
-    <p:sldId id="2147470555" r:id="rId22"/>
-    <p:sldId id="2076137029" r:id="rId23"/>
+    <p:sldId id="2147470563" r:id="rId22"/>
+    <p:sldId id="2147470555" r:id="rId23"/>
+    <p:sldId id="2076137029" r:id="rId24"/>
   </p:sldIdLst>
   <p:sldSz cx="12192000" cy="6858000"/>
   <p:notesSz cx="6858000" cy="9144000"/>
@@ -131,6 +132,43 @@
     </p:ext>
   </p:extLst>
 </p:presentation>
+</file>
+
+<file path=ppt/revisionInfo.xml><?xml version="1.0" encoding="utf-8"?>
+<p1510:revInfo xmlns:a="http://schemas.openxmlformats.org/drawingml/2006/main" xmlns:r="http://schemas.openxmlformats.org/officeDocument/2006/relationships" xmlns:p1510="http://schemas.microsoft.com/office/powerpoint/2015/10/main">
+  <p1510:revLst>
+    <p1510:client id="{B5C3ABDF-DE06-2669-D4D2-0E8DF975B56B}" v="2" dt="2023-09-25T09:38:08.208"/>
+  </p1510:revLst>
+</p1510:revInfo>
+</file>
+
+<file path=ppt/changesInfos/changesInfo1.xml><?xml version="1.0" encoding="utf-8"?>
+<pc:chgInfo xmlns:a="http://schemas.openxmlformats.org/drawingml/2006/main" xmlns:r="http://schemas.openxmlformats.org/officeDocument/2006/relationships" xmlns:ac="http://schemas.microsoft.com/office/drawing/2013/main/command" xmlns:pc="http://schemas.microsoft.com/office/powerpoint/2013/main/command">
+  <pc:docChgLst>
+    <pc:chgData name="Meagan Longoria" userId="S::meagan@dcac.com::5bb0f969-1731-49a3-87cb-f923b6b540b9" providerId="AD" clId="Web-{B5C3ABDF-DE06-2669-D4D2-0E8DF975B56B}"/>
+    <pc:docChg chg="modSld">
+      <pc:chgData name="Meagan Longoria" userId="S::meagan@dcac.com::5bb0f969-1731-49a3-87cb-f923b6b540b9" providerId="AD" clId="Web-{B5C3ABDF-DE06-2669-D4D2-0E8DF975B56B}" dt="2023-09-25T09:38:08.208" v="1" actId="20577"/>
+      <pc:docMkLst>
+        <pc:docMk/>
+      </pc:docMkLst>
+      <pc:sldChg chg="modSp">
+        <pc:chgData name="Meagan Longoria" userId="S::meagan@dcac.com::5bb0f969-1731-49a3-87cb-f923b6b540b9" providerId="AD" clId="Web-{B5C3ABDF-DE06-2669-D4D2-0E8DF975B56B}" dt="2023-09-25T09:38:08.208" v="1" actId="20577"/>
+        <pc:sldMkLst>
+          <pc:docMk/>
+          <pc:sldMk cId="19297968" sldId="2147470553"/>
+        </pc:sldMkLst>
+        <pc:spChg chg="mod">
+          <ac:chgData name="Meagan Longoria" userId="S::meagan@dcac.com::5bb0f969-1731-49a3-87cb-f923b6b540b9" providerId="AD" clId="Web-{B5C3ABDF-DE06-2669-D4D2-0E8DF975B56B}" dt="2023-09-25T09:38:08.208" v="1" actId="20577"/>
+          <ac:spMkLst>
+            <pc:docMk/>
+            <pc:sldMk cId="19297968" sldId="2147470553"/>
+            <ac:spMk id="3" creationId="{33B3B159-A982-E03B-7830-66591F295CD8}"/>
+          </ac:spMkLst>
+        </pc:spChg>
+      </pc:sldChg>
+    </pc:docChg>
+  </pc:docChgLst>
+</pc:chgInfo>
 </file>
 
 <file path=ppt/diagrams/colors1.xml><?xml version="1.0" encoding="utf-8"?>
@@ -3329,7 +3367,7 @@
           <a:p>
             <a:fld id="{0D354273-E04F-4A6B-AB46-301CAB090479}" type="datetimeFigureOut">
               <a:rPr lang="en-US" smtClean="0"/>
-              <a:t>9/22/2023</a:t>
+              <a:t>9/25/2023</a:t>
             </a:fld>
             <a:endParaRPr lang="en-US" dirty="0"/>
           </a:p>
@@ -3769,7 +3807,7 @@
           <a:p>
             <a:fld id="{73C44958-1AC4-45E3-BED1-8C16F0CD0A0C}" type="datetime8">
               <a:rPr lang="en-US" smtClean="0"/>
-              <a:t>9/22/2023 8:18 AM</a:t>
+              <a:t>9/25/2023 2:38 AM</a:t>
             </a:fld>
             <a:endParaRPr lang="en-US" dirty="0"/>
           </a:p>
@@ -4199,7 +4237,7 @@
           <a:p>
             <a:fld id="{73C44958-1AC4-45E3-BED1-8C16F0CD0A0C}" type="datetime8">
               <a:rPr lang="en-US" smtClean="0"/>
-              <a:t>9/22/2023 8:18 AM</a:t>
+              <a:t>9/25/2023 2:38 AM</a:t>
             </a:fld>
             <a:endParaRPr lang="en-US" dirty="0"/>
           </a:p>
@@ -4403,7 +4441,7 @@
           <a:p>
             <a:fld id="{73C44958-1AC4-45E3-BED1-8C16F0CD0A0C}" type="datetime8">
               <a:rPr lang="en-US" smtClean="0"/>
-              <a:t>9/22/2023 8:18 AM</a:t>
+              <a:t>9/25/2023 2:38 AM</a:t>
             </a:fld>
             <a:endParaRPr lang="en-US" dirty="0"/>
           </a:p>
@@ -4613,7 +4651,7 @@
           <a:p>
             <a:fld id="{73C44958-1AC4-45E3-BED1-8C16F0CD0A0C}" type="datetime8">
               <a:rPr lang="en-US" smtClean="0"/>
-              <a:t>9/22/2023 8:18 AM</a:t>
+              <a:t>9/25/2023 2:38 AM</a:t>
             </a:fld>
             <a:endParaRPr lang="en-US" dirty="0"/>
           </a:p>
@@ -4942,7 +4980,7 @@
           <a:p>
             <a:fld id="{73C44958-1AC4-45E3-BED1-8C16F0CD0A0C}" type="datetime8">
               <a:rPr lang="en-US" smtClean="0"/>
-              <a:t>9/22/2023 10:12 AM</a:t>
+              <a:t>9/25/2023 2:38 AM</a:t>
             </a:fld>
             <a:endParaRPr lang="en-US" dirty="0"/>
           </a:p>
@@ -5514,7 +5552,7 @@
           <a:p>
             <a:fld id="{73C44958-1AC4-45E3-BED1-8C16F0CD0A0C}" type="datetime8">
               <a:rPr lang="en-US" smtClean="0"/>
-              <a:t>9/22/2023 8:18 AM</a:t>
+              <a:t>9/25/2023 2:38 AM</a:t>
             </a:fld>
             <a:endParaRPr lang="en-US" dirty="0"/>
           </a:p>
@@ -5669,7 +5707,7 @@
                 <a:tabLst/>
                 <a:defRPr/>
               </a:pPr>
-              <a:t>19</a:t>
+              <a:t>20</a:t>
             </a:fld>
             <a:endParaRPr kumimoji="0" lang="en-US" sz="1200" b="0" i="0" u="none" strike="noStrike" kern="1200" cap="none" spc="0" normalizeH="0" baseline="0" noProof="0" dirty="0">
               <a:ln>
@@ -5838,7 +5876,7 @@
           <a:p>
             <a:fld id="{73C44958-1AC4-45E3-BED1-8C16F0CD0A0C}" type="datetime8">
               <a:rPr lang="en-US" smtClean="0"/>
-              <a:t>9/22/2023 8:18 AM</a:t>
+              <a:t>9/25/2023 2:38 AM</a:t>
             </a:fld>
             <a:endParaRPr lang="en-US" dirty="0"/>
           </a:p>
@@ -6171,7 +6209,7 @@
           <a:p>
             <a:fld id="{73C44958-1AC4-45E3-BED1-8C16F0CD0A0C}" type="datetime8">
               <a:rPr lang="en-US" smtClean="0"/>
-              <a:t>9/22/2023 8:18 AM</a:t>
+              <a:t>9/25/2023 2:38 AM</a:t>
             </a:fld>
             <a:endParaRPr lang="en-US" dirty="0"/>
           </a:p>
@@ -6680,7 +6718,7 @@
           <a:p>
             <a:fld id="{73C44958-1AC4-45E3-BED1-8C16F0CD0A0C}" type="datetime8">
               <a:rPr lang="en-US" smtClean="0"/>
-              <a:t>9/22/2023 8:18 AM</a:t>
+              <a:t>9/25/2023 2:38 AM</a:t>
             </a:fld>
             <a:endParaRPr lang="en-US" dirty="0"/>
           </a:p>
@@ -6884,7 +6922,7 @@
           <a:p>
             <a:fld id="{73C44958-1AC4-45E3-BED1-8C16F0CD0A0C}" type="datetime8">
               <a:rPr lang="en-US" smtClean="0"/>
-              <a:t>9/22/2023 8:18 AM</a:t>
+              <a:t>9/25/2023 2:38 AM</a:t>
             </a:fld>
             <a:endParaRPr lang="en-US" dirty="0"/>
           </a:p>
@@ -7076,7 +7114,7 @@
           <a:p>
             <a:fld id="{73C44958-1AC4-45E3-BED1-8C16F0CD0A0C}" type="datetime8">
               <a:rPr lang="en-US" smtClean="0"/>
-              <a:t>9/22/2023 8:18 AM</a:t>
+              <a:t>9/25/2023 2:38 AM</a:t>
             </a:fld>
             <a:endParaRPr lang="en-US" dirty="0"/>
           </a:p>
@@ -14555,7 +14593,7 @@
             </a:pPr>
             <a:r>
               <a:rPr lang="en-US" sz="3700" dirty="0"/>
-              <a:t>Introduction to Microsoft Fabric</a:t>
+              <a:t>Understanding Dimensional Models</a:t>
             </a:r>
           </a:p>
         </p:txBody>
@@ -14583,7 +14621,7 @@
           </a:xfrm>
         </p:spPr>
         <p:txBody>
-          <a:bodyPr wrap="square">
+          <a:bodyPr vert="horz" wrap="square" lIns="0" tIns="0" rIns="0" bIns="0" rtlCol="0" anchor="t">
             <a:normAutofit/>
           </a:bodyPr>
           <a:lstStyle/>
@@ -14594,9 +14632,12 @@
               </a:spcAft>
             </a:pPr>
             <a:r>
-              <a:rPr lang="en-US" dirty="0"/>
-              <a:t>Module 2</a:t>
-            </a:r>
+              <a:rPr lang="en-US">
+                <a:cs typeface="Segoe UI"/>
+              </a:rPr>
+              <a:t>Module 10</a:t>
+            </a:r>
+            <a:endParaRPr lang="en-US" dirty="0"/>
           </a:p>
         </p:txBody>
       </p:sp>
@@ -22614,6 +22655,139 @@
       </p:grpSpPr>
       <p:sp>
         <p:nvSpPr>
+          <p:cNvPr id="5" name="Title 4">
+            <a:extLst>
+              <a:ext uri="{FF2B5EF4-FFF2-40B4-BE49-F238E27FC236}">
+                <a16:creationId xmlns:a16="http://schemas.microsoft.com/office/drawing/2014/main" id="{7AAA27BA-98F9-1C26-01EB-813054F08200}"/>
+              </a:ext>
+            </a:extLst>
+          </p:cNvPr>
+          <p:cNvSpPr>
+            <a:spLocks noGrp="1"/>
+          </p:cNvSpPr>
+          <p:nvPr>
+            <p:ph type="title"/>
+          </p:nvPr>
+        </p:nvSpPr>
+        <p:spPr/>
+        <p:txBody>
+          <a:bodyPr/>
+          <a:lstStyle/>
+          <a:p>
+            <a:r>
+              <a:rPr lang="en-US" dirty="0"/>
+              <a:t>Summary</a:t>
+            </a:r>
+          </a:p>
+        </p:txBody>
+      </p:sp>
+      <p:sp>
+        <p:nvSpPr>
+          <p:cNvPr id="6" name="Content Placeholder 5">
+            <a:extLst>
+              <a:ext uri="{FF2B5EF4-FFF2-40B4-BE49-F238E27FC236}">
+                <a16:creationId xmlns:a16="http://schemas.microsoft.com/office/drawing/2014/main" id="{12A2236E-26A0-03B6-A8C6-BC4ED3822FF7}"/>
+              </a:ext>
+            </a:extLst>
+          </p:cNvPr>
+          <p:cNvSpPr>
+            <a:spLocks noGrp="1"/>
+          </p:cNvSpPr>
+          <p:nvPr>
+            <p:ph sz="quarter" idx="10"/>
+          </p:nvPr>
+        </p:nvSpPr>
+        <p:spPr>
+          <a:xfrm>
+            <a:off x="584200" y="1435100"/>
+            <a:ext cx="11018838" cy="5343001"/>
+          </a:xfrm>
+        </p:spPr>
+        <p:txBody>
+          <a:bodyPr/>
+          <a:lstStyle/>
+          <a:p>
+            <a:r>
+              <a:rPr lang="en-US" dirty="0"/>
+              <a:t>Dimensional models contain facts and dimensions.</a:t>
+            </a:r>
+          </a:p>
+          <a:p>
+            <a:r>
+              <a:rPr lang="en-US" dirty="0"/>
+              <a:t>Facts aggregate measures and events.</a:t>
+            </a:r>
+          </a:p>
+          <a:p>
+            <a:r>
+              <a:rPr lang="en-US" dirty="0"/>
+              <a:t>Dimensions contain entities and their descriptive attributes.</a:t>
+            </a:r>
+          </a:p>
+          <a:p>
+            <a:r>
+              <a:rPr lang="en-US" dirty="0"/>
+              <a:t>In a star schema, a dimension is related directly to one or more fact tables.</a:t>
+            </a:r>
+          </a:p>
+          <a:p>
+            <a:r>
+              <a:rPr lang="en-US" dirty="0"/>
+              <a:t>Relationships between tables allow us to slice or aggregate a fact by a dimension.</a:t>
+            </a:r>
+          </a:p>
+          <a:p>
+            <a:r>
+              <a:rPr lang="en-US" dirty="0"/>
+              <a:t>Power BI works best with a star schema.</a:t>
+            </a:r>
+          </a:p>
+          <a:p>
+            <a:r>
+              <a:rPr lang="en-US" dirty="0"/>
+              <a:t>If you have control over the underlying lakehouse or warehouse, the star schema should be built there.</a:t>
+            </a:r>
+          </a:p>
+          <a:p>
+            <a:endParaRPr lang="en-US" dirty="0"/>
+          </a:p>
+        </p:txBody>
+      </p:sp>
+    </p:spTree>
+    <p:extLst>
+      <p:ext uri="{BB962C8B-B14F-4D97-AF65-F5344CB8AC3E}">
+        <p14:creationId xmlns:p14="http://schemas.microsoft.com/office/powerpoint/2010/main" val="563601498"/>
+      </p:ext>
+    </p:extLst>
+  </p:cSld>
+  <p:clrMapOvr>
+    <a:masterClrMapping/>
+  </p:clrMapOvr>
+  <p:transition>
+    <p:fade/>
+  </p:transition>
+</p:sld>
+</file>
+
+<file path=ppt/slides/slide19.xml><?xml version="1.0" encoding="utf-8"?>
+<p:sld xmlns:a="http://schemas.openxmlformats.org/drawingml/2006/main" xmlns:r="http://schemas.openxmlformats.org/officeDocument/2006/relationships" xmlns:p="http://schemas.openxmlformats.org/presentationml/2006/main">
+  <p:cSld>
+    <p:spTree>
+      <p:nvGrpSpPr>
+        <p:cNvPr id="1" name=""/>
+        <p:cNvGrpSpPr/>
+        <p:nvPr/>
+      </p:nvGrpSpPr>
+      <p:grpSpPr>
+        <a:xfrm>
+          <a:off x="0" y="0"/>
+          <a:ext cx="0" cy="0"/>
+          <a:chOff x="0" y="0"/>
+          <a:chExt cx="0" cy="0"/>
+        </a:xfrm>
+      </p:grpSpPr>
+      <p:sp>
+        <p:nvSpPr>
           <p:cNvPr id="2" name="Title 1">
             <a:extLst>
               <a:ext uri="{FF2B5EF4-FFF2-40B4-BE49-F238E27FC236}">
@@ -22829,1478 +23003,6 @@
       </p:transition>
     </mc:Fallback>
   </mc:AlternateContent>
-</p:sld>
-</file>
-
-<file path=ppt/slides/slide19.xml><?xml version="1.0" encoding="utf-8"?>
-<p:sld xmlns:a="http://schemas.openxmlformats.org/drawingml/2006/main" xmlns:r="http://schemas.openxmlformats.org/officeDocument/2006/relationships" xmlns:p="http://schemas.openxmlformats.org/presentationml/2006/main">
-  <p:cSld>
-    <p:spTree>
-      <p:nvGrpSpPr>
-        <p:cNvPr id="1" name=""/>
-        <p:cNvGrpSpPr/>
-        <p:nvPr/>
-      </p:nvGrpSpPr>
-      <p:grpSpPr>
-        <a:xfrm>
-          <a:off x="0" y="0"/>
-          <a:ext cx="0" cy="0"/>
-          <a:chOff x="0" y="0"/>
-          <a:chExt cx="0" cy="0"/>
-        </a:xfrm>
-      </p:grpSpPr>
-      <p:sp>
-        <p:nvSpPr>
-          <p:cNvPr id="4" name="Title 3">
-            <a:extLst>
-              <a:ext uri="{FF2B5EF4-FFF2-40B4-BE49-F238E27FC236}">
-                <a16:creationId xmlns:a16="http://schemas.microsoft.com/office/drawing/2014/main" id="{4DA61EA3-5803-446D-B286-B5CDEA6F5F74}"/>
-              </a:ext>
-            </a:extLst>
-          </p:cNvPr>
-          <p:cNvSpPr>
-            <a:spLocks noGrp="1"/>
-          </p:cNvSpPr>
-          <p:nvPr>
-            <p:ph type="title"/>
-          </p:nvPr>
-        </p:nvSpPr>
-        <p:spPr/>
-        <p:txBody>
-          <a:bodyPr/>
-          <a:lstStyle/>
-          <a:p>
-            <a:r>
-              <a:rPr lang="en-IN" dirty="0"/>
-              <a:t>Readiness and Enablement Links</a:t>
-            </a:r>
-            <a:endParaRPr lang="en-US" dirty="0"/>
-          </a:p>
-        </p:txBody>
-      </p:sp>
-      <p:sp>
-        <p:nvSpPr>
-          <p:cNvPr id="13" name="TextBox 12">
-            <a:extLst>
-              <a:ext uri="{FF2B5EF4-FFF2-40B4-BE49-F238E27FC236}">
-                <a16:creationId xmlns:a16="http://schemas.microsoft.com/office/drawing/2014/main" id="{81B15E12-433C-23A4-B09C-03D14CACDEAA}"/>
-              </a:ext>
-            </a:extLst>
-          </p:cNvPr>
-          <p:cNvSpPr txBox="1"/>
-          <p:nvPr/>
-        </p:nvSpPr>
-        <p:spPr>
-          <a:xfrm>
-            <a:off x="323782" y="1225689"/>
-            <a:ext cx="10589036" cy="5878532"/>
-          </a:xfrm>
-          <a:prstGeom prst="rect">
-            <a:avLst/>
-          </a:prstGeom>
-          <a:noFill/>
-        </p:spPr>
-        <p:txBody>
-          <a:bodyPr wrap="square">
-            <a:spAutoFit/>
-          </a:bodyPr>
-          <a:lstStyle/>
-          <a:p>
-            <a:pPr marL="0" marR="0" lvl="0" indent="0" algn="l" defTabSz="914400" rtl="0" eaLnBrk="1" fontAlgn="auto" latinLnBrk="0" hangingPunct="1">
-              <a:lnSpc>
-                <a:spcPct val="100000"/>
-              </a:lnSpc>
-              <a:spcBef>
-                <a:spcPts val="0"/>
-              </a:spcBef>
-              <a:spcAft>
-                <a:spcPts val="0"/>
-              </a:spcAft>
-              <a:buClrTx/>
-              <a:buSzTx/>
-              <a:buFontTx/>
-              <a:buNone/>
-              <a:tabLst/>
-              <a:defRPr/>
-            </a:pPr>
-            <a:r>
-              <a:rPr kumimoji="0" lang="en-US" sz="1200" b="0" i="0" u="none" strike="noStrike" kern="1200" cap="none" spc="0" normalizeH="0" baseline="0" noProof="0" dirty="0">
-                <a:ln>
-                  <a:noFill/>
-                </a:ln>
-                <a:solidFill>
-                  <a:srgbClr val="FFFFFF"/>
-                </a:solidFill>
-                <a:effectLst/>
-                <a:uLnTx/>
-                <a:uFillTx/>
-                <a:latin typeface="Calibri" panose="020F0502020204030204" pitchFamily="34" charset="0"/>
-                <a:ea typeface="+mn-ea"/>
-                <a:cs typeface="+mn-cs"/>
-              </a:rPr>
-              <a:t>The Microsoft Federal Team is here to help you accelerate customers' digital transformation. Microsoft Federal has tailored to make your organizations skilling journey successful. From the Business Decision Maker to the technical community and end-users, Microsoft provides customers with access to endless skilling resources. Below you will find links to these resources:</a:t>
-            </a:r>
-            <a:br>
-              <a:rPr kumimoji="0" lang="en-US" sz="1200" b="0" i="0" u="none" strike="noStrike" kern="1200" cap="none" spc="0" normalizeH="0" baseline="0" noProof="0" dirty="0">
-                <a:ln>
-                  <a:noFill/>
-                </a:ln>
-                <a:solidFill>
-                  <a:srgbClr val="FFFFFF"/>
-                </a:solidFill>
-                <a:effectLst/>
-                <a:uLnTx/>
-                <a:uFillTx/>
-                <a:latin typeface="Calibri" panose="020F0502020204030204" pitchFamily="34" charset="0"/>
-                <a:ea typeface="+mn-ea"/>
-                <a:cs typeface="+mn-cs"/>
-              </a:rPr>
-            </a:br>
-            <a:endParaRPr kumimoji="0" lang="en-US" sz="1200" b="0" i="0" u="none" strike="noStrike" kern="1200" cap="none" spc="0" normalizeH="0" baseline="0" noProof="0" dirty="0">
-              <a:ln>
-                <a:noFill/>
-              </a:ln>
-              <a:solidFill>
-                <a:srgbClr val="FFFFFF"/>
-              </a:solidFill>
-              <a:effectLst/>
-              <a:uLnTx/>
-              <a:uFillTx/>
-              <a:latin typeface="Calibri" panose="020F0502020204030204" pitchFamily="34" charset="0"/>
-              <a:ea typeface="+mn-ea"/>
-              <a:cs typeface="+mn-cs"/>
-            </a:endParaRPr>
-          </a:p>
-          <a:p>
-            <a:pPr marL="0" marR="0" lvl="0" indent="0" algn="l" defTabSz="914400" rtl="0" eaLnBrk="1" fontAlgn="auto" latinLnBrk="0" hangingPunct="1">
-              <a:lnSpc>
-                <a:spcPct val="100000"/>
-              </a:lnSpc>
-              <a:spcBef>
-                <a:spcPts val="0"/>
-              </a:spcBef>
-              <a:spcAft>
-                <a:spcPts val="0"/>
-              </a:spcAft>
-              <a:buClrTx/>
-              <a:buSzTx/>
-              <a:buFontTx/>
-              <a:buNone/>
-              <a:tabLst/>
-              <a:defRPr/>
-            </a:pPr>
-            <a:r>
-              <a:rPr kumimoji="0" lang="en-US" sz="1200" b="1" i="0" u="none" strike="noStrike" kern="1200" cap="none" spc="0" normalizeH="0" baseline="0" noProof="0" dirty="0">
-                <a:ln>
-                  <a:noFill/>
-                </a:ln>
-                <a:solidFill>
-                  <a:srgbClr val="FFFFFF"/>
-                </a:solidFill>
-                <a:effectLst/>
-                <a:uLnTx/>
-                <a:uFillTx/>
-                <a:latin typeface="Calibri" panose="020F0502020204030204" pitchFamily="34" charset="0"/>
-                <a:ea typeface="+mn-ea"/>
-                <a:cs typeface="+mn-cs"/>
-              </a:rPr>
-              <a:t>Get training tailored to your organization's needs: </a:t>
-            </a:r>
-            <a:r>
-              <a:rPr kumimoji="0" lang="en-US" sz="1200" b="0" i="0" u="none" strike="noStrike" kern="1200" cap="none" spc="0" normalizeH="0" baseline="0" noProof="0" dirty="0">
-                <a:ln>
-                  <a:noFill/>
-                </a:ln>
-                <a:solidFill>
-                  <a:srgbClr val="FFFFFF"/>
-                </a:solidFill>
-                <a:effectLst/>
-                <a:uLnTx/>
-                <a:uFillTx/>
-                <a:latin typeface="Calibri" panose="020F0502020204030204" pitchFamily="34" charset="0"/>
-                <a:ea typeface="+mn-ea"/>
-                <a:cs typeface="+mn-cs"/>
-              </a:rPr>
-              <a:t>Find learning paths for specific roles in your organization, plus course recommendations based on technology, skill level, and solution area:</a:t>
-            </a:r>
-            <a:r>
-              <a:rPr kumimoji="0" lang="en-US" sz="1200" b="0" i="0" u="none" strike="noStrike" kern="1200" cap="none" spc="0" normalizeH="0" baseline="0" noProof="0" dirty="0">
-                <a:ln>
-                  <a:noFill/>
-                </a:ln>
-                <a:solidFill>
-                  <a:srgbClr val="212121"/>
-                </a:solidFill>
-                <a:effectLst/>
-                <a:uLnTx/>
-                <a:uFillTx/>
-                <a:latin typeface="Calibri" panose="020F0502020204030204" pitchFamily="34" charset="0"/>
-                <a:ea typeface="+mn-ea"/>
-                <a:cs typeface="+mn-cs"/>
-              </a:rPr>
-              <a:t> </a:t>
-            </a:r>
-            <a:r>
-              <a:rPr kumimoji="0" lang="en-US" sz="1200" b="0" i="0" u="none" strike="noStrike" kern="1200" cap="none" spc="0" normalizeH="0" baseline="0" noProof="0" dirty="0">
-                <a:ln>
-                  <a:noFill/>
-                </a:ln>
-                <a:solidFill>
-                  <a:srgbClr val="008272"/>
-                </a:solidFill>
-                <a:effectLst/>
-                <a:uLnTx/>
-                <a:uFillTx/>
-                <a:latin typeface="Calibri" panose="020F0502020204030204" pitchFamily="34" charset="0"/>
-                <a:ea typeface="+mn-ea"/>
-                <a:cs typeface="+mn-cs"/>
-                <a:hlinkClick r:id="rId3"/>
-              </a:rPr>
-              <a:t>Training | Learning Portal (microsoft.com)</a:t>
-            </a:r>
-            <a:br>
-              <a:rPr kumimoji="0" lang="en-US" sz="1200" b="0" i="0" u="none" strike="noStrike" kern="1200" cap="none" spc="0" normalizeH="0" baseline="0" noProof="0" dirty="0">
-                <a:ln>
-                  <a:noFill/>
-                </a:ln>
-                <a:solidFill>
-                  <a:srgbClr val="212121"/>
-                </a:solidFill>
-                <a:effectLst/>
-                <a:uLnTx/>
-                <a:uFillTx/>
-                <a:latin typeface="Calibri" panose="020F0502020204030204" pitchFamily="34" charset="0"/>
-                <a:ea typeface="+mn-ea"/>
-                <a:cs typeface="+mn-cs"/>
-              </a:rPr>
-            </a:br>
-            <a:endParaRPr kumimoji="0" lang="en-US" sz="1200" b="0" i="0" u="none" strike="noStrike" kern="1200" cap="none" spc="0" normalizeH="0" baseline="0" noProof="0" dirty="0">
-              <a:ln>
-                <a:noFill/>
-              </a:ln>
-              <a:solidFill>
-                <a:srgbClr val="212121"/>
-              </a:solidFill>
-              <a:effectLst/>
-              <a:uLnTx/>
-              <a:uFillTx/>
-              <a:latin typeface="Calibri" panose="020F0502020204030204" pitchFamily="34" charset="0"/>
-              <a:ea typeface="+mn-ea"/>
-              <a:cs typeface="+mn-cs"/>
-            </a:endParaRPr>
-          </a:p>
-          <a:p>
-            <a:pPr marL="0" marR="0" lvl="0" indent="0" algn="l" defTabSz="914400" rtl="0" eaLnBrk="1" fontAlgn="auto" latinLnBrk="0" hangingPunct="1">
-              <a:lnSpc>
-                <a:spcPct val="100000"/>
-              </a:lnSpc>
-              <a:spcBef>
-                <a:spcPts val="0"/>
-              </a:spcBef>
-              <a:spcAft>
-                <a:spcPts val="0"/>
-              </a:spcAft>
-              <a:buClrTx/>
-              <a:buSzTx/>
-              <a:buFontTx/>
-              <a:buNone/>
-              <a:tabLst/>
-              <a:defRPr/>
-            </a:pPr>
-            <a:r>
-              <a:rPr kumimoji="0" lang="en-US" sz="1200" b="0" i="0" u="none" strike="noStrike" kern="1200" cap="none" spc="0" normalizeH="0" baseline="0" noProof="0" dirty="0">
-                <a:ln>
-                  <a:noFill/>
-                </a:ln>
-                <a:solidFill>
-                  <a:srgbClr val="008272"/>
-                </a:solidFill>
-                <a:effectLst/>
-                <a:uLnTx/>
-                <a:uFillTx/>
-                <a:latin typeface="Calibri" panose="020F0502020204030204" pitchFamily="34" charset="0"/>
-                <a:ea typeface="+mn-ea"/>
-                <a:cs typeface="+mn-cs"/>
-                <a:hlinkClick r:id="rId4"/>
-              </a:rPr>
-              <a:t>Events Calendar - US Partner Community Blog – Microsoft</a:t>
-            </a:r>
-            <a:endParaRPr kumimoji="0" lang="en-US" sz="1200" b="0" i="0" u="none" strike="noStrike" kern="1200" cap="none" spc="0" normalizeH="0" baseline="0" noProof="0" dirty="0">
-              <a:ln>
-                <a:noFill/>
-              </a:ln>
-              <a:solidFill>
-                <a:srgbClr val="008272"/>
-              </a:solidFill>
-              <a:effectLst/>
-              <a:uLnTx/>
-              <a:uFillTx/>
-              <a:latin typeface="Calibri" panose="020F0502020204030204" pitchFamily="34" charset="0"/>
-              <a:ea typeface="+mn-ea"/>
-              <a:cs typeface="+mn-cs"/>
-            </a:endParaRPr>
-          </a:p>
-          <a:p>
-            <a:pPr marL="0" marR="0" lvl="0" indent="0" algn="l" defTabSz="914400" rtl="0" eaLnBrk="1" fontAlgn="auto" latinLnBrk="0" hangingPunct="1">
-              <a:lnSpc>
-                <a:spcPct val="100000"/>
-              </a:lnSpc>
-              <a:spcBef>
-                <a:spcPts val="0"/>
-              </a:spcBef>
-              <a:spcAft>
-                <a:spcPts val="0"/>
-              </a:spcAft>
-              <a:buClrTx/>
-              <a:buSzTx/>
-              <a:buFontTx/>
-              <a:buNone/>
-              <a:tabLst/>
-              <a:defRPr/>
-            </a:pPr>
-            <a:endParaRPr kumimoji="0" lang="en-US" sz="1200" b="0" i="0" u="none" strike="noStrike" kern="1200" cap="none" spc="0" normalizeH="0" baseline="0" noProof="0" dirty="0">
-              <a:ln>
-                <a:noFill/>
-              </a:ln>
-              <a:solidFill>
-                <a:srgbClr val="008272"/>
-              </a:solidFill>
-              <a:effectLst/>
-              <a:uLnTx/>
-              <a:uFillTx/>
-              <a:latin typeface="Calibri" panose="020F0502020204030204" pitchFamily="34" charset="0"/>
-              <a:ea typeface="+mn-ea"/>
-              <a:cs typeface="+mn-cs"/>
-            </a:endParaRPr>
-          </a:p>
-          <a:p>
-            <a:pPr marL="0" marR="0" lvl="0" indent="0" algn="l" defTabSz="914400" rtl="0" eaLnBrk="1" fontAlgn="auto" latinLnBrk="0" hangingPunct="1">
-              <a:lnSpc>
-                <a:spcPct val="100000"/>
-              </a:lnSpc>
-              <a:spcBef>
-                <a:spcPts val="0"/>
-              </a:spcBef>
-              <a:spcAft>
-                <a:spcPts val="0"/>
-              </a:spcAft>
-              <a:buClrTx/>
-              <a:buSzTx/>
-              <a:buFontTx/>
-              <a:buNone/>
-              <a:tabLst/>
-              <a:defRPr/>
-            </a:pPr>
-            <a:r>
-              <a:rPr kumimoji="0" lang="en-US" sz="1200" b="1" i="0" u="none" strike="noStrike" kern="1200" cap="none" spc="0" normalizeH="0" baseline="0" noProof="0" dirty="0">
-                <a:ln>
-                  <a:noFill/>
-                </a:ln>
-                <a:solidFill>
-                  <a:srgbClr val="FFFFFF"/>
-                </a:solidFill>
-                <a:effectLst/>
-                <a:uLnTx/>
-                <a:uFillTx/>
-                <a:latin typeface="Calibri" panose="020F0502020204030204" pitchFamily="34" charset="0"/>
-                <a:ea typeface="+mn-ea"/>
-                <a:cs typeface="+mn-cs"/>
-              </a:rPr>
-              <a:t>In addition to the above, the Microsoft Federal Team can address the needs of your non-technical community of your learners through: </a:t>
-            </a:r>
-            <a:endParaRPr kumimoji="0" lang="en-US" sz="1200" b="0" i="0" u="none" strike="noStrike" kern="1200" cap="none" spc="0" normalizeH="0" baseline="0" noProof="0" dirty="0">
-              <a:ln>
-                <a:noFill/>
-              </a:ln>
-              <a:solidFill>
-                <a:srgbClr val="FFFFFF"/>
-              </a:solidFill>
-              <a:effectLst/>
-              <a:uLnTx/>
-              <a:uFillTx/>
-              <a:latin typeface="Calibri" panose="020F0502020204030204" pitchFamily="34" charset="0"/>
-              <a:ea typeface="+mn-ea"/>
-              <a:cs typeface="+mn-cs"/>
-            </a:endParaRPr>
-          </a:p>
-          <a:p>
-            <a:pPr marL="0" marR="0" lvl="0" indent="0" algn="l" defTabSz="914400" rtl="0" eaLnBrk="1" fontAlgn="auto" latinLnBrk="0" hangingPunct="1">
-              <a:lnSpc>
-                <a:spcPct val="100000"/>
-              </a:lnSpc>
-              <a:spcBef>
-                <a:spcPts val="0"/>
-              </a:spcBef>
-              <a:spcAft>
-                <a:spcPts val="0"/>
-              </a:spcAft>
-              <a:buClrTx/>
-              <a:buSzTx/>
-              <a:buFont typeface="Arial" panose="020B0604020202020204" pitchFamily="34" charset="0"/>
-              <a:buChar char="•"/>
-              <a:tabLst/>
-              <a:defRPr/>
-            </a:pPr>
-            <a:r>
-              <a:rPr kumimoji="0" lang="en-US" sz="1200" b="0" i="0" u="none" strike="noStrike" kern="1200" cap="none" spc="0" normalizeH="0" baseline="0" noProof="0" dirty="0">
-                <a:ln>
-                  <a:noFill/>
-                </a:ln>
-                <a:solidFill>
-                  <a:srgbClr val="FFFFFF"/>
-                </a:solidFill>
-                <a:effectLst/>
-                <a:uLnTx/>
-                <a:uFillTx/>
-                <a:latin typeface="Calibri" panose="020F0502020204030204" pitchFamily="34" charset="0"/>
-                <a:ea typeface="+mn-ea"/>
-                <a:cs typeface="+mn-cs"/>
-              </a:rPr>
-              <a:t> Skilling Hours </a:t>
-            </a:r>
-            <a:r>
-              <a:rPr kumimoji="0" lang="en-US" sz="1200" b="0" i="0" u="none" strike="noStrike" kern="1200" cap="none" spc="0" normalizeH="0" baseline="0" noProof="0" dirty="0">
-                <a:ln>
-                  <a:noFill/>
-                </a:ln>
-                <a:solidFill>
-                  <a:srgbClr val="212121"/>
-                </a:solidFill>
-                <a:effectLst/>
-                <a:uLnTx/>
-                <a:uFillTx/>
-                <a:latin typeface="Calibri" panose="020F0502020204030204" pitchFamily="34" charset="0"/>
-                <a:ea typeface="+mn-ea"/>
-                <a:cs typeface="+mn-cs"/>
-              </a:rPr>
-              <a:t>- </a:t>
-            </a:r>
-            <a:r>
-              <a:rPr kumimoji="0" lang="en-US" sz="1200" b="0" i="0" u="none" strike="noStrike" kern="1200" cap="none" spc="0" normalizeH="0" baseline="0" noProof="0" dirty="0">
-                <a:ln>
-                  <a:noFill/>
-                </a:ln>
-                <a:solidFill>
-                  <a:srgbClr val="FFFFFF"/>
-                </a:solidFill>
-                <a:effectLst/>
-                <a:uLnTx/>
-                <a:uFillTx/>
-                <a:latin typeface="Segoe UI"/>
-                <a:ea typeface="+mn-ea"/>
-                <a:cs typeface="+mn-cs"/>
-                <a:hlinkClick r:id="rId5"/>
-              </a:rPr>
-              <a:t>Readiness and Enablement: Skilling our Federal Customers and Partners (office.com)</a:t>
-            </a:r>
-            <a:br>
-              <a:rPr kumimoji="0" lang="en-US" sz="1200" b="0" i="0" u="none" strike="noStrike" kern="1200" cap="none" spc="0" normalizeH="0" baseline="0" noProof="0" dirty="0">
-                <a:ln>
-                  <a:noFill/>
-                </a:ln>
-                <a:solidFill>
-                  <a:srgbClr val="212121"/>
-                </a:solidFill>
-                <a:effectLst/>
-                <a:uLnTx/>
-                <a:uFillTx/>
-                <a:latin typeface="Calibri" panose="020F0502020204030204" pitchFamily="34" charset="0"/>
-                <a:ea typeface="+mn-ea"/>
-                <a:cs typeface="+mn-cs"/>
-              </a:rPr>
-            </a:br>
-            <a:endParaRPr kumimoji="0" lang="en-US" sz="1200" b="0" i="0" u="none" strike="noStrike" kern="1200" cap="none" spc="0" normalizeH="0" baseline="0" noProof="0" dirty="0">
-              <a:ln>
-                <a:noFill/>
-              </a:ln>
-              <a:solidFill>
-                <a:srgbClr val="212121"/>
-              </a:solidFill>
-              <a:effectLst/>
-              <a:uLnTx/>
-              <a:uFillTx/>
-              <a:latin typeface="Calibri" panose="020F0502020204030204" pitchFamily="34" charset="0"/>
-              <a:ea typeface="+mn-ea"/>
-              <a:cs typeface="+mn-cs"/>
-            </a:endParaRPr>
-          </a:p>
-          <a:p>
-            <a:pPr marL="0" marR="0" lvl="0" indent="0" algn="l" defTabSz="914400" rtl="0" eaLnBrk="1" fontAlgn="auto" latinLnBrk="0" hangingPunct="1">
-              <a:lnSpc>
-                <a:spcPct val="100000"/>
-              </a:lnSpc>
-              <a:spcBef>
-                <a:spcPts val="0"/>
-              </a:spcBef>
-              <a:spcAft>
-                <a:spcPts val="0"/>
-              </a:spcAft>
-              <a:buClrTx/>
-              <a:buSzTx/>
-              <a:buFontTx/>
-              <a:buNone/>
-              <a:tabLst/>
-              <a:defRPr/>
-            </a:pPr>
-            <a:r>
-              <a:rPr kumimoji="0" lang="en-US" sz="1200" b="1" i="0" u="none" strike="noStrike" kern="1200" cap="none" spc="0" normalizeH="0" baseline="0" noProof="0" dirty="0">
-                <a:ln>
-                  <a:noFill/>
-                </a:ln>
-                <a:solidFill>
-                  <a:srgbClr val="FFFFFF"/>
-                </a:solidFill>
-                <a:effectLst/>
-                <a:uLnTx/>
-                <a:uFillTx/>
-                <a:latin typeface="Calibri" panose="020F0502020204030204" pitchFamily="34" charset="0"/>
-                <a:ea typeface="+mn-ea"/>
-                <a:cs typeface="+mn-cs"/>
-              </a:rPr>
-              <a:t>Microsoft Learning Portal: </a:t>
-            </a:r>
-            <a:r>
-              <a:rPr kumimoji="0" lang="en-US" sz="1200" b="0" i="0" u="none" strike="noStrike" kern="1200" cap="none" spc="0" normalizeH="0" baseline="0" noProof="0" dirty="0">
-                <a:ln>
-                  <a:noFill/>
-                </a:ln>
-                <a:solidFill>
-                  <a:srgbClr val="FFFFFF"/>
-                </a:solidFill>
-                <a:effectLst/>
-                <a:uLnTx/>
-                <a:uFillTx/>
-                <a:latin typeface="Calibri" panose="020F0502020204030204" pitchFamily="34" charset="0"/>
-                <a:ea typeface="+mn-ea"/>
-                <a:cs typeface="+mn-cs"/>
-              </a:rPr>
-              <a:t>A closer look at Azure through training modules and gamified learning </a:t>
-            </a:r>
-          </a:p>
-          <a:p>
-            <a:pPr marL="0" marR="0" lvl="0" indent="0" algn="l" defTabSz="914400" rtl="0" eaLnBrk="1" fontAlgn="auto" latinLnBrk="0" hangingPunct="1">
-              <a:lnSpc>
-                <a:spcPct val="100000"/>
-              </a:lnSpc>
-              <a:spcBef>
-                <a:spcPts val="0"/>
-              </a:spcBef>
-              <a:spcAft>
-                <a:spcPts val="0"/>
-              </a:spcAft>
-              <a:buClrTx/>
-              <a:buSzTx/>
-              <a:buFontTx/>
-              <a:buNone/>
-              <a:tabLst/>
-              <a:defRPr/>
-            </a:pPr>
-            <a:r>
-              <a:rPr kumimoji="0" lang="en-US" sz="1200" b="0" i="0" u="none" strike="noStrike" kern="1200" cap="none" spc="0" normalizeH="0" baseline="0" noProof="0" dirty="0">
-                <a:ln>
-                  <a:noFill/>
-                </a:ln>
-                <a:solidFill>
-                  <a:srgbClr val="FFFFFF"/>
-                </a:solidFill>
-                <a:effectLst/>
-                <a:uLnTx/>
-                <a:uFillTx/>
-                <a:latin typeface="Calibri" panose="020F0502020204030204" pitchFamily="34" charset="0"/>
-                <a:ea typeface="+mn-ea"/>
-                <a:cs typeface="+mn-cs"/>
-                <a:hlinkClick r:id="rId6"/>
-              </a:rPr>
-              <a:t>Microsoft Learning Portal</a:t>
-            </a:r>
-            <a:endParaRPr kumimoji="0" lang="en-US" sz="1200" b="0" i="0" u="none" strike="noStrike" kern="1200" cap="none" spc="0" normalizeH="0" baseline="0" noProof="0" dirty="0">
-              <a:ln>
-                <a:noFill/>
-              </a:ln>
-              <a:solidFill>
-                <a:srgbClr val="FFFFFF"/>
-              </a:solidFill>
-              <a:effectLst/>
-              <a:uLnTx/>
-              <a:uFillTx/>
-              <a:latin typeface="Calibri" panose="020F0502020204030204" pitchFamily="34" charset="0"/>
-              <a:ea typeface="+mn-ea"/>
-              <a:cs typeface="+mn-cs"/>
-            </a:endParaRPr>
-          </a:p>
-          <a:p>
-            <a:pPr marL="0" marR="0" lvl="0" indent="0" algn="l" defTabSz="914400" rtl="0" eaLnBrk="1" fontAlgn="auto" latinLnBrk="0" hangingPunct="1">
-              <a:lnSpc>
-                <a:spcPct val="100000"/>
-              </a:lnSpc>
-              <a:spcBef>
-                <a:spcPts val="0"/>
-              </a:spcBef>
-              <a:spcAft>
-                <a:spcPts val="0"/>
-              </a:spcAft>
-              <a:buClrTx/>
-              <a:buSzTx/>
-              <a:buFontTx/>
-              <a:buNone/>
-              <a:tabLst/>
-              <a:defRPr/>
-            </a:pPr>
-            <a:endParaRPr kumimoji="0" lang="en-US" sz="1200" b="0" i="0" u="none" strike="noStrike" kern="1200" cap="none" spc="0" normalizeH="0" baseline="0" noProof="0" dirty="0">
-              <a:ln>
-                <a:noFill/>
-              </a:ln>
-              <a:solidFill>
-                <a:srgbClr val="212121"/>
-              </a:solidFill>
-              <a:effectLst/>
-              <a:uLnTx/>
-              <a:uFillTx/>
-              <a:latin typeface="Calibri" panose="020F0502020204030204" pitchFamily="34" charset="0"/>
-              <a:ea typeface="+mn-ea"/>
-              <a:cs typeface="+mn-cs"/>
-            </a:endParaRPr>
-          </a:p>
-          <a:p>
-            <a:pPr marL="0" marR="0" lvl="0" indent="0" algn="l" defTabSz="914400" rtl="0" eaLnBrk="1" fontAlgn="auto" latinLnBrk="0" hangingPunct="1">
-              <a:lnSpc>
-                <a:spcPct val="100000"/>
-              </a:lnSpc>
-              <a:spcBef>
-                <a:spcPts val="0"/>
-              </a:spcBef>
-              <a:spcAft>
-                <a:spcPts val="0"/>
-              </a:spcAft>
-              <a:buClrTx/>
-              <a:buSzTx/>
-              <a:buFontTx/>
-              <a:buNone/>
-              <a:tabLst/>
-              <a:defRPr/>
-            </a:pPr>
-            <a:r>
-              <a:rPr kumimoji="0" lang="en-US" sz="1200" b="1" i="0" u="none" strike="noStrike" kern="1200" cap="none" spc="0" normalizeH="0" baseline="0" noProof="0" dirty="0">
-                <a:ln>
-                  <a:noFill/>
-                </a:ln>
-                <a:solidFill>
-                  <a:srgbClr val="FFFFFF"/>
-                </a:solidFill>
-                <a:effectLst/>
-                <a:uLnTx/>
-                <a:uFillTx/>
-                <a:latin typeface="Calibri" panose="020F0502020204030204" pitchFamily="34" charset="0"/>
-                <a:ea typeface="+mn-ea"/>
-                <a:cs typeface="+mn-cs"/>
-              </a:rPr>
-              <a:t>Additional Learning Resources</a:t>
-            </a:r>
-            <a:r>
-              <a:rPr kumimoji="0" lang="en-US" sz="1200" b="0" i="0" u="none" strike="noStrike" kern="1200" cap="none" spc="0" normalizeH="0" baseline="0" noProof="0" dirty="0">
-                <a:ln>
-                  <a:noFill/>
-                </a:ln>
-                <a:solidFill>
-                  <a:srgbClr val="FFFFFF"/>
-                </a:solidFill>
-                <a:effectLst/>
-                <a:uLnTx/>
-                <a:uFillTx/>
-                <a:latin typeface="Calibri" panose="020F0502020204030204" pitchFamily="34" charset="0"/>
-                <a:ea typeface="+mn-ea"/>
-                <a:cs typeface="+mn-cs"/>
-              </a:rPr>
-              <a:t>:</a:t>
-            </a:r>
-            <a:br>
-              <a:rPr kumimoji="0" lang="en-US" sz="1200" b="0" i="0" u="none" strike="noStrike" kern="1200" cap="none" spc="0" normalizeH="0" baseline="0" noProof="0" dirty="0">
-                <a:ln>
-                  <a:noFill/>
-                </a:ln>
-                <a:solidFill>
-                  <a:srgbClr val="212121"/>
-                </a:solidFill>
-                <a:effectLst/>
-                <a:uLnTx/>
-                <a:uFillTx/>
-                <a:latin typeface="Calibri" panose="020F0502020204030204" pitchFamily="34" charset="0"/>
-                <a:ea typeface="+mn-ea"/>
-                <a:cs typeface="+mn-cs"/>
-              </a:rPr>
-            </a:br>
-            <a:endParaRPr kumimoji="0" lang="en-US" sz="1000" b="0" i="0" u="none" strike="noStrike" kern="1200" cap="none" spc="0" normalizeH="0" baseline="0" noProof="0" dirty="0">
-              <a:ln>
-                <a:noFill/>
-              </a:ln>
-              <a:solidFill>
-                <a:srgbClr val="212121"/>
-              </a:solidFill>
-              <a:effectLst/>
-              <a:uLnTx/>
-              <a:uFillTx/>
-              <a:latin typeface="Calibri" panose="020F0502020204030204" pitchFamily="34" charset="0"/>
-              <a:ea typeface="+mn-ea"/>
-              <a:cs typeface="+mn-cs"/>
-            </a:endParaRPr>
-          </a:p>
-          <a:p>
-            <a:pPr marL="0" marR="0" lvl="0" indent="0" algn="l" defTabSz="914400" rtl="0" eaLnBrk="1" fontAlgn="auto" latinLnBrk="0" hangingPunct="1">
-              <a:lnSpc>
-                <a:spcPct val="100000"/>
-              </a:lnSpc>
-              <a:spcBef>
-                <a:spcPts val="0"/>
-              </a:spcBef>
-              <a:spcAft>
-                <a:spcPts val="0"/>
-              </a:spcAft>
-              <a:buClrTx/>
-              <a:buSzTx/>
-              <a:buFontTx/>
-              <a:buNone/>
-              <a:tabLst/>
-              <a:defRPr/>
-            </a:pPr>
-            <a:r>
-              <a:rPr kumimoji="0" lang="en-US" sz="1000" b="0" i="0" u="none" strike="noStrike" kern="1200" cap="none" spc="0" normalizeH="0" baseline="0" noProof="0" dirty="0">
-                <a:ln>
-                  <a:noFill/>
-                </a:ln>
-                <a:solidFill>
-                  <a:srgbClr val="FFFFFF"/>
-                </a:solidFill>
-                <a:effectLst/>
-                <a:uLnTx/>
-                <a:uFillTx/>
-                <a:latin typeface="Segoe UI"/>
-                <a:ea typeface="+mn-ea"/>
-                <a:cs typeface="+mn-cs"/>
-                <a:hlinkClick r:id="rId7"/>
-              </a:rPr>
-              <a:t>Get started with Azure – Introduction | Microsoft Azure</a:t>
-            </a:r>
-            <a:endParaRPr kumimoji="0" lang="en-US" sz="1000" b="0" i="0" u="none" strike="noStrike" kern="1200" cap="none" spc="0" normalizeH="0" baseline="0" noProof="0" dirty="0">
-              <a:ln>
-                <a:noFill/>
-              </a:ln>
-              <a:solidFill>
-                <a:srgbClr val="FFFFFF"/>
-              </a:solidFill>
-              <a:effectLst/>
-              <a:uLnTx/>
-              <a:uFillTx/>
-              <a:latin typeface="Segoe UI"/>
-              <a:ea typeface="+mn-ea"/>
-              <a:cs typeface="+mn-cs"/>
-            </a:endParaRPr>
-          </a:p>
-          <a:p>
-            <a:pPr marL="0" marR="0" lvl="0" indent="0" algn="l" defTabSz="914400" rtl="0" eaLnBrk="1" fontAlgn="auto" latinLnBrk="0" hangingPunct="1">
-              <a:lnSpc>
-                <a:spcPct val="100000"/>
-              </a:lnSpc>
-              <a:spcBef>
-                <a:spcPts val="0"/>
-              </a:spcBef>
-              <a:spcAft>
-                <a:spcPts val="0"/>
-              </a:spcAft>
-              <a:buClrTx/>
-              <a:buSzTx/>
-              <a:buFontTx/>
-              <a:buNone/>
-              <a:tabLst/>
-              <a:defRPr/>
-            </a:pPr>
-            <a:endParaRPr kumimoji="0" lang="en-US" sz="1000" b="0" i="0" u="none" strike="noStrike" kern="1200" cap="none" spc="0" normalizeH="0" baseline="0" noProof="0" dirty="0">
-              <a:ln>
-                <a:noFill/>
-              </a:ln>
-              <a:solidFill>
-                <a:srgbClr val="008272"/>
-              </a:solidFill>
-              <a:effectLst/>
-              <a:uLnTx/>
-              <a:uFillTx/>
-              <a:latin typeface="Calibri" panose="020F0502020204030204" pitchFamily="34" charset="0"/>
-              <a:ea typeface="+mn-ea"/>
-              <a:cs typeface="+mn-cs"/>
-              <a:hlinkClick r:id="rId8"/>
-            </a:endParaRPr>
-          </a:p>
-          <a:p>
-            <a:pPr marL="0" marR="0" lvl="0" indent="0" algn="l" defTabSz="914400" rtl="0" eaLnBrk="1" fontAlgn="auto" latinLnBrk="0" hangingPunct="1">
-              <a:lnSpc>
-                <a:spcPct val="100000"/>
-              </a:lnSpc>
-              <a:spcBef>
-                <a:spcPts val="0"/>
-              </a:spcBef>
-              <a:spcAft>
-                <a:spcPts val="0"/>
-              </a:spcAft>
-              <a:buClrTx/>
-              <a:buSzTx/>
-              <a:buFontTx/>
-              <a:buNone/>
-              <a:tabLst/>
-              <a:defRPr/>
-            </a:pPr>
-            <a:r>
-              <a:rPr kumimoji="0" lang="en-US" sz="1000" b="0" i="0" u="none" strike="noStrike" kern="1200" cap="none" spc="0" normalizeH="0" baseline="0" noProof="0" dirty="0">
-                <a:ln>
-                  <a:noFill/>
-                </a:ln>
-                <a:solidFill>
-                  <a:srgbClr val="008272"/>
-                </a:solidFill>
-                <a:effectLst/>
-                <a:uLnTx/>
-                <a:uFillTx/>
-                <a:latin typeface="Calibri" panose="020F0502020204030204" pitchFamily="34" charset="0"/>
-                <a:ea typeface="+mn-ea"/>
-                <a:cs typeface="+mn-cs"/>
-                <a:hlinkClick r:id="rId8"/>
-              </a:rPr>
-              <a:t>Microsoft Learn</a:t>
-            </a:r>
-            <a:r>
-              <a:rPr kumimoji="0" lang="en-US" sz="1000" b="0" i="0" u="none" strike="noStrike" kern="1200" cap="none" spc="0" normalizeH="0" baseline="0" noProof="0" dirty="0">
-                <a:ln>
-                  <a:noFill/>
-                </a:ln>
-                <a:solidFill>
-                  <a:srgbClr val="212121"/>
-                </a:solidFill>
-                <a:effectLst/>
-                <a:uLnTx/>
-                <a:uFillTx/>
-                <a:latin typeface="Calibri" panose="020F0502020204030204" pitchFamily="34" charset="0"/>
-                <a:ea typeface="+mn-ea"/>
-                <a:cs typeface="+mn-cs"/>
-              </a:rPr>
-              <a:t> </a:t>
-            </a:r>
-            <a:r>
-              <a:rPr kumimoji="0" lang="en-US" sz="1000" b="0" i="0" u="none" strike="noStrike" kern="1200" cap="none" spc="0" normalizeH="0" baseline="0" noProof="0" dirty="0">
-                <a:ln>
-                  <a:noFill/>
-                </a:ln>
-                <a:solidFill>
-                  <a:srgbClr val="FFFFFF"/>
-                </a:solidFill>
-                <a:effectLst/>
-                <a:uLnTx/>
-                <a:uFillTx/>
-                <a:latin typeface="Calibri" panose="020F0502020204030204" pitchFamily="34" charset="0"/>
-                <a:ea typeface="+mn-ea"/>
-                <a:cs typeface="+mn-cs"/>
-              </a:rPr>
-              <a:t>(path-based)</a:t>
-            </a:r>
-            <a:br>
-              <a:rPr kumimoji="0" lang="en-US" sz="1000" b="0" i="0" u="none" strike="noStrike" kern="1200" cap="none" spc="0" normalizeH="0" baseline="0" noProof="0" dirty="0">
-                <a:ln>
-                  <a:noFill/>
-                </a:ln>
-                <a:solidFill>
-                  <a:srgbClr val="212121"/>
-                </a:solidFill>
-                <a:effectLst/>
-                <a:uLnTx/>
-                <a:uFillTx/>
-                <a:latin typeface="Calibri" panose="020F0502020204030204" pitchFamily="34" charset="0"/>
-                <a:ea typeface="+mn-ea"/>
-                <a:cs typeface="+mn-cs"/>
-              </a:rPr>
-            </a:br>
-            <a:endParaRPr kumimoji="0" lang="en-US" sz="1000" b="0" i="0" u="none" strike="noStrike" kern="1200" cap="none" spc="0" normalizeH="0" baseline="0" noProof="0" dirty="0">
-              <a:ln>
-                <a:noFill/>
-              </a:ln>
-              <a:solidFill>
-                <a:srgbClr val="212121"/>
-              </a:solidFill>
-              <a:effectLst/>
-              <a:uLnTx/>
-              <a:uFillTx/>
-              <a:latin typeface="Calibri" panose="020F0502020204030204" pitchFamily="34" charset="0"/>
-              <a:ea typeface="+mn-ea"/>
-              <a:cs typeface="+mn-cs"/>
-            </a:endParaRPr>
-          </a:p>
-          <a:p>
-            <a:pPr marL="0" marR="0" lvl="0" indent="0" algn="l" defTabSz="914400" rtl="0" eaLnBrk="1" fontAlgn="auto" latinLnBrk="0" hangingPunct="1">
-              <a:lnSpc>
-                <a:spcPct val="100000"/>
-              </a:lnSpc>
-              <a:spcBef>
-                <a:spcPts val="0"/>
-              </a:spcBef>
-              <a:spcAft>
-                <a:spcPts val="0"/>
-              </a:spcAft>
-              <a:buClrTx/>
-              <a:buSzTx/>
-              <a:buFontTx/>
-              <a:buNone/>
-              <a:tabLst/>
-              <a:defRPr/>
-            </a:pPr>
-            <a:r>
-              <a:rPr kumimoji="0" lang="en-US" sz="1000" b="0" i="0" u="none" strike="noStrike" kern="1200" cap="none" spc="0" normalizeH="0" baseline="0" noProof="0" dirty="0">
-                <a:ln>
-                  <a:noFill/>
-                </a:ln>
-                <a:solidFill>
-                  <a:srgbClr val="008272"/>
-                </a:solidFill>
-                <a:effectLst/>
-                <a:uLnTx/>
-                <a:uFillTx/>
-                <a:latin typeface="Calibri" panose="020F0502020204030204" pitchFamily="34" charset="0"/>
-                <a:ea typeface="+mn-ea"/>
-                <a:cs typeface="+mn-cs"/>
-                <a:hlinkClick r:id="rId9"/>
-              </a:rPr>
-              <a:t>Exam-based</a:t>
-            </a:r>
-            <a:r>
-              <a:rPr kumimoji="0" lang="en-US" sz="1000" b="0" i="0" u="none" strike="noStrike" kern="1200" cap="none" spc="0" normalizeH="0" baseline="0" noProof="0" dirty="0">
-                <a:ln>
-                  <a:noFill/>
-                </a:ln>
-                <a:solidFill>
-                  <a:srgbClr val="FFFFFF"/>
-                </a:solidFill>
-                <a:effectLst/>
-                <a:uLnTx/>
-                <a:uFillTx/>
-                <a:latin typeface="Calibri" panose="020F0502020204030204" pitchFamily="34" charset="0"/>
-                <a:ea typeface="+mn-ea"/>
-                <a:cs typeface="+mn-cs"/>
-              </a:rPr>
-              <a:t>: Select filters: Azure, D365, M365, Power Platform, and more</a:t>
-            </a:r>
-            <a:br>
-              <a:rPr kumimoji="0" lang="en-US" sz="1000" b="0" i="0" u="none" strike="noStrike" kern="1200" cap="none" spc="0" normalizeH="0" baseline="0" noProof="0" dirty="0">
-                <a:ln>
-                  <a:noFill/>
-                </a:ln>
-                <a:solidFill>
-                  <a:srgbClr val="212121"/>
-                </a:solidFill>
-                <a:effectLst/>
-                <a:uLnTx/>
-                <a:uFillTx/>
-                <a:latin typeface="Calibri" panose="020F0502020204030204" pitchFamily="34" charset="0"/>
-                <a:ea typeface="+mn-ea"/>
-                <a:cs typeface="+mn-cs"/>
-              </a:rPr>
-            </a:br>
-            <a:endParaRPr kumimoji="0" lang="en-US" sz="1000" b="0" i="0" u="none" strike="noStrike" kern="1200" cap="none" spc="0" normalizeH="0" baseline="0" noProof="0" dirty="0">
-              <a:ln>
-                <a:noFill/>
-              </a:ln>
-              <a:solidFill>
-                <a:srgbClr val="212121"/>
-              </a:solidFill>
-              <a:effectLst/>
-              <a:uLnTx/>
-              <a:uFillTx/>
-              <a:latin typeface="Calibri" panose="020F0502020204030204" pitchFamily="34" charset="0"/>
-              <a:ea typeface="+mn-ea"/>
-              <a:cs typeface="+mn-cs"/>
-            </a:endParaRPr>
-          </a:p>
-          <a:p>
-            <a:pPr marL="0" marR="0" lvl="0" indent="0" algn="l" defTabSz="914400" rtl="0" eaLnBrk="1" fontAlgn="auto" latinLnBrk="0" hangingPunct="1">
-              <a:lnSpc>
-                <a:spcPct val="100000"/>
-              </a:lnSpc>
-              <a:spcBef>
-                <a:spcPts val="0"/>
-              </a:spcBef>
-              <a:spcAft>
-                <a:spcPts val="0"/>
-              </a:spcAft>
-              <a:buClrTx/>
-              <a:buSzTx/>
-              <a:buFontTx/>
-              <a:buNone/>
-              <a:tabLst/>
-              <a:defRPr/>
-            </a:pPr>
-            <a:r>
-              <a:rPr kumimoji="0" lang="en-US" sz="1000" b="0" i="0" u="none" strike="noStrike" kern="1200" cap="none" spc="0" normalizeH="0" baseline="0" noProof="0" dirty="0">
-                <a:ln>
-                  <a:noFill/>
-                </a:ln>
-                <a:solidFill>
-                  <a:srgbClr val="008272"/>
-                </a:solidFill>
-                <a:effectLst/>
-                <a:uLnTx/>
-                <a:uFillTx/>
-                <a:latin typeface="Calibri" panose="020F0502020204030204" pitchFamily="34" charset="0"/>
-                <a:ea typeface="+mn-ea"/>
-                <a:cs typeface="+mn-cs"/>
-                <a:hlinkClick r:id="rId10"/>
-              </a:rPr>
-              <a:t>Microsoft Virtual Training Days</a:t>
-            </a:r>
-            <a:r>
-              <a:rPr kumimoji="0" lang="en-US" sz="1000" b="0" i="0" u="none" strike="noStrike" kern="1200" cap="none" spc="0" normalizeH="0" baseline="0" noProof="0" dirty="0">
-                <a:ln>
-                  <a:noFill/>
-                </a:ln>
-                <a:solidFill>
-                  <a:srgbClr val="008272"/>
-                </a:solidFill>
-                <a:effectLst/>
-                <a:uLnTx/>
-                <a:uFillTx/>
-                <a:latin typeface="Calibri" panose="020F0502020204030204" pitchFamily="34" charset="0"/>
-                <a:ea typeface="+mn-ea"/>
-                <a:cs typeface="+mn-cs"/>
-              </a:rPr>
-              <a:t> </a:t>
-            </a:r>
-            <a:r>
-              <a:rPr kumimoji="0" lang="en-US" sz="1000" b="0" i="0" u="none" strike="noStrike" kern="1200" cap="none" spc="0" normalizeH="0" baseline="0" noProof="0" dirty="0">
-                <a:ln>
-                  <a:noFill/>
-                </a:ln>
-                <a:solidFill>
-                  <a:srgbClr val="FFFFFF"/>
-                </a:solidFill>
-                <a:effectLst/>
-                <a:uLnTx/>
-                <a:uFillTx/>
-                <a:latin typeface="Segoe UI"/>
-                <a:ea typeface="+mn-ea"/>
-                <a:cs typeface="+mn-cs"/>
-              </a:rPr>
-              <a:t>– Virtual Instructor Led</a:t>
-            </a:r>
-            <a:br>
-              <a:rPr kumimoji="0" lang="en-US" sz="1000" b="0" i="0" u="none" strike="noStrike" kern="1200" cap="none" spc="0" normalizeH="0" baseline="0" noProof="0" dirty="0">
-                <a:ln>
-                  <a:noFill/>
-                </a:ln>
-                <a:solidFill>
-                  <a:srgbClr val="212121"/>
-                </a:solidFill>
-                <a:effectLst/>
-                <a:uLnTx/>
-                <a:uFillTx/>
-                <a:latin typeface="Calibri" panose="020F0502020204030204" pitchFamily="34" charset="0"/>
-                <a:ea typeface="+mn-ea"/>
-                <a:cs typeface="+mn-cs"/>
-              </a:rPr>
-            </a:br>
-            <a:endParaRPr kumimoji="0" lang="en-US" sz="1000" b="0" i="0" u="none" strike="noStrike" kern="1200" cap="none" spc="0" normalizeH="0" baseline="0" noProof="0" dirty="0">
-              <a:ln>
-                <a:noFill/>
-              </a:ln>
-              <a:solidFill>
-                <a:srgbClr val="212121"/>
-              </a:solidFill>
-              <a:effectLst/>
-              <a:uLnTx/>
-              <a:uFillTx/>
-              <a:latin typeface="Calibri" panose="020F0502020204030204" pitchFamily="34" charset="0"/>
-              <a:ea typeface="+mn-ea"/>
-              <a:cs typeface="+mn-cs"/>
-            </a:endParaRPr>
-          </a:p>
-          <a:p>
-            <a:pPr marL="0" marR="0" lvl="0" indent="0" algn="l" defTabSz="914400" rtl="0" eaLnBrk="1" fontAlgn="auto" latinLnBrk="0" hangingPunct="1">
-              <a:lnSpc>
-                <a:spcPct val="100000"/>
-              </a:lnSpc>
-              <a:spcBef>
-                <a:spcPts val="0"/>
-              </a:spcBef>
-              <a:spcAft>
-                <a:spcPts val="0"/>
-              </a:spcAft>
-              <a:buClrTx/>
-              <a:buSzTx/>
-              <a:buFontTx/>
-              <a:buNone/>
-              <a:tabLst/>
-              <a:defRPr/>
-            </a:pPr>
-            <a:r>
-              <a:rPr kumimoji="0" lang="en-US" sz="1000" b="0" i="0" u="none" strike="noStrike" kern="1200" cap="none" spc="0" normalizeH="0" baseline="0" noProof="0" dirty="0">
-                <a:ln>
-                  <a:noFill/>
-                </a:ln>
-                <a:solidFill>
-                  <a:srgbClr val="008272"/>
-                </a:solidFill>
-                <a:effectLst/>
-                <a:uLnTx/>
-                <a:uFillTx/>
-                <a:latin typeface="Calibri" panose="020F0502020204030204" pitchFamily="34" charset="0"/>
-                <a:ea typeface="+mn-ea"/>
-                <a:cs typeface="+mn-cs"/>
-                <a:hlinkClick r:id="rId11"/>
-              </a:rPr>
-              <a:t>Microsoft Technology Center</a:t>
-            </a:r>
-            <a:r>
-              <a:rPr kumimoji="0" lang="en-US" sz="1000" b="0" i="0" u="none" strike="noStrike" kern="1200" cap="none" spc="0" normalizeH="0" baseline="0" noProof="0" dirty="0">
-                <a:ln>
-                  <a:noFill/>
-                </a:ln>
-                <a:solidFill>
-                  <a:srgbClr val="008272"/>
-                </a:solidFill>
-                <a:effectLst/>
-                <a:uLnTx/>
-                <a:uFillTx/>
-                <a:latin typeface="Calibri" panose="020F0502020204030204" pitchFamily="34" charset="0"/>
-                <a:ea typeface="+mn-ea"/>
-                <a:cs typeface="+mn-cs"/>
-              </a:rPr>
-              <a:t>  </a:t>
-            </a:r>
-            <a:r>
-              <a:rPr kumimoji="0" lang="en-US" sz="1000" b="0" i="0" u="none" strike="noStrike" kern="1200" cap="none" spc="0" normalizeH="0" baseline="0" noProof="0" dirty="0">
-                <a:ln>
-                  <a:noFill/>
-                </a:ln>
-                <a:solidFill>
-                  <a:srgbClr val="FFFFFF"/>
-                </a:solidFill>
-                <a:effectLst/>
-                <a:uLnTx/>
-                <a:uFillTx/>
-                <a:latin typeface="Segoe UI"/>
-                <a:ea typeface="+mn-ea"/>
-                <a:cs typeface="+mn-cs"/>
-              </a:rPr>
-              <a:t>- Work through your Account Manager</a:t>
-            </a:r>
-          </a:p>
-          <a:p>
-            <a:pPr marL="0" marR="0" lvl="0" indent="0" algn="l" defTabSz="914400" rtl="0" eaLnBrk="1" fontAlgn="auto" latinLnBrk="0" hangingPunct="1">
-              <a:lnSpc>
-                <a:spcPct val="100000"/>
-              </a:lnSpc>
-              <a:spcBef>
-                <a:spcPts val="0"/>
-              </a:spcBef>
-              <a:spcAft>
-                <a:spcPts val="0"/>
-              </a:spcAft>
-              <a:buClrTx/>
-              <a:buSzTx/>
-              <a:buFontTx/>
-              <a:buNone/>
-              <a:tabLst/>
-              <a:defRPr/>
-            </a:pPr>
-            <a:endParaRPr kumimoji="0" lang="en-US" sz="1000" b="0" i="0" u="none" strike="noStrike" kern="1200" cap="none" spc="0" normalizeH="0" baseline="0" noProof="0" dirty="0">
-              <a:ln>
-                <a:noFill/>
-              </a:ln>
-              <a:solidFill>
-                <a:srgbClr val="008272"/>
-              </a:solidFill>
-              <a:effectLst/>
-              <a:uLnTx/>
-              <a:uFillTx/>
-              <a:latin typeface="Calibri" panose="020F0502020204030204" pitchFamily="34" charset="0"/>
-              <a:ea typeface="+mn-ea"/>
-              <a:cs typeface="+mn-cs"/>
-            </a:endParaRPr>
-          </a:p>
-          <a:p>
-            <a:pPr marL="0" marR="0" lvl="0" indent="0" algn="l" defTabSz="914400" rtl="0" eaLnBrk="1" fontAlgn="auto" latinLnBrk="0" hangingPunct="1">
-              <a:lnSpc>
-                <a:spcPct val="100000"/>
-              </a:lnSpc>
-              <a:spcBef>
-                <a:spcPts val="0"/>
-              </a:spcBef>
-              <a:spcAft>
-                <a:spcPts val="0"/>
-              </a:spcAft>
-              <a:buClrTx/>
-              <a:buSzTx/>
-              <a:buFontTx/>
-              <a:buNone/>
-              <a:tabLst/>
-              <a:defRPr/>
-            </a:pPr>
-            <a:r>
-              <a:rPr kumimoji="0" lang="en-US" sz="1000" b="0" i="0" u="none" strike="noStrike" kern="1200" cap="none" spc="0" normalizeH="0" baseline="0" noProof="0" dirty="0">
-                <a:ln>
-                  <a:noFill/>
-                </a:ln>
-                <a:solidFill>
-                  <a:srgbClr val="FFFFFF"/>
-                </a:solidFill>
-                <a:effectLst/>
-                <a:uLnTx/>
-                <a:uFillTx/>
-                <a:latin typeface="Segoe UI"/>
-                <a:ea typeface="+mn-ea"/>
-                <a:cs typeface="+mn-cs"/>
-                <a:hlinkClick r:id="rId12"/>
-              </a:rPr>
-              <a:t>Home - Microsoft Tech Community</a:t>
-            </a:r>
-            <a:endParaRPr kumimoji="0" lang="en-US" sz="1000" b="0" i="0" u="none" strike="noStrike" kern="1200" cap="none" spc="0" normalizeH="0" baseline="0" noProof="0" dirty="0">
-              <a:ln>
-                <a:noFill/>
-              </a:ln>
-              <a:solidFill>
-                <a:srgbClr val="008272"/>
-              </a:solidFill>
-              <a:effectLst/>
-              <a:uLnTx/>
-              <a:uFillTx/>
-              <a:latin typeface="Calibri" panose="020F0502020204030204" pitchFamily="34" charset="0"/>
-              <a:ea typeface="+mn-ea"/>
-              <a:cs typeface="+mn-cs"/>
-            </a:endParaRPr>
-          </a:p>
-          <a:p>
-            <a:pPr marL="0" marR="0" lvl="0" indent="0" algn="l" defTabSz="914400" rtl="0" eaLnBrk="1" fontAlgn="auto" latinLnBrk="0" hangingPunct="1">
-              <a:lnSpc>
-                <a:spcPct val="100000"/>
-              </a:lnSpc>
-              <a:spcBef>
-                <a:spcPts val="0"/>
-              </a:spcBef>
-              <a:spcAft>
-                <a:spcPts val="0"/>
-              </a:spcAft>
-              <a:buClrTx/>
-              <a:buSzTx/>
-              <a:buFontTx/>
-              <a:buNone/>
-              <a:tabLst/>
-              <a:defRPr/>
-            </a:pPr>
-            <a:endParaRPr kumimoji="0" lang="en-US" sz="1000" b="0" i="0" u="none" strike="noStrike" kern="1200" cap="none" spc="0" normalizeH="0" baseline="0" noProof="0" dirty="0">
-              <a:ln>
-                <a:noFill/>
-              </a:ln>
-              <a:solidFill>
-                <a:srgbClr val="008272"/>
-              </a:solidFill>
-              <a:effectLst/>
-              <a:uLnTx/>
-              <a:uFillTx/>
-              <a:latin typeface="Calibri" panose="020F0502020204030204" pitchFamily="34" charset="0"/>
-              <a:ea typeface="+mn-ea"/>
-              <a:cs typeface="+mn-cs"/>
-            </a:endParaRPr>
-          </a:p>
-          <a:p>
-            <a:pPr marL="0" marR="0" lvl="0" indent="0" algn="l" defTabSz="914400" rtl="0" eaLnBrk="1" fontAlgn="auto" latinLnBrk="0" hangingPunct="1">
-              <a:lnSpc>
-                <a:spcPct val="100000"/>
-              </a:lnSpc>
-              <a:spcBef>
-                <a:spcPts val="0"/>
-              </a:spcBef>
-              <a:spcAft>
-                <a:spcPts val="0"/>
-              </a:spcAft>
-              <a:buClrTx/>
-              <a:buSzTx/>
-              <a:buFontTx/>
-              <a:buNone/>
-              <a:tabLst/>
-              <a:defRPr/>
-            </a:pPr>
-            <a:r>
-              <a:rPr kumimoji="0" lang="en-US" sz="1000" b="0" i="0" u="none" strike="noStrike" kern="1200" cap="none" spc="0" normalizeH="0" baseline="0" noProof="0" dirty="0">
-                <a:ln>
-                  <a:noFill/>
-                </a:ln>
-                <a:solidFill>
-                  <a:srgbClr val="FFFFFF"/>
-                </a:solidFill>
-                <a:effectLst/>
-                <a:uLnTx/>
-                <a:uFillTx/>
-                <a:latin typeface="Segoe UI"/>
-                <a:ea typeface="+mn-ea"/>
-                <a:cs typeface="+mn-cs"/>
-                <a:hlinkClick r:id="rId13"/>
-              </a:rPr>
-              <a:t>Microsoft Reactor | Microsoft Developer</a:t>
-            </a:r>
-            <a:r>
-              <a:rPr kumimoji="0" lang="en-US" sz="1000" b="0" i="0" u="none" strike="noStrike" kern="1200" cap="none" spc="0" normalizeH="0" baseline="0" noProof="0" dirty="0">
-                <a:ln>
-                  <a:noFill/>
-                </a:ln>
-                <a:solidFill>
-                  <a:srgbClr val="FFFFFF"/>
-                </a:solidFill>
-                <a:effectLst/>
-                <a:uLnTx/>
-                <a:uFillTx/>
-                <a:latin typeface="Segoe UI"/>
-                <a:ea typeface="+mn-ea"/>
-                <a:cs typeface="+mn-cs"/>
-              </a:rPr>
-              <a:t> – Virtual Instructor Led</a:t>
-            </a:r>
-          </a:p>
-          <a:p>
-            <a:pPr marL="0" marR="0" lvl="0" indent="0" algn="l" defTabSz="914400" rtl="0" eaLnBrk="1" fontAlgn="auto" latinLnBrk="0" hangingPunct="1">
-              <a:lnSpc>
-                <a:spcPct val="100000"/>
-              </a:lnSpc>
-              <a:spcBef>
-                <a:spcPts val="0"/>
-              </a:spcBef>
-              <a:spcAft>
-                <a:spcPts val="0"/>
-              </a:spcAft>
-              <a:buClrTx/>
-              <a:buSzTx/>
-              <a:buFontTx/>
-              <a:buNone/>
-              <a:tabLst/>
-              <a:defRPr/>
-            </a:pPr>
-            <a:endParaRPr kumimoji="0" lang="en-US" sz="1000" b="0" i="0" u="none" strike="noStrike" kern="1200" cap="none" spc="0" normalizeH="0" baseline="0" noProof="0" dirty="0">
-              <a:ln>
-                <a:noFill/>
-              </a:ln>
-              <a:solidFill>
-                <a:srgbClr val="FFFFFF"/>
-              </a:solidFill>
-              <a:effectLst/>
-              <a:uLnTx/>
-              <a:uFillTx/>
-              <a:latin typeface="Segoe UI"/>
-              <a:ea typeface="+mn-ea"/>
-              <a:cs typeface="+mn-cs"/>
-            </a:endParaRPr>
-          </a:p>
-          <a:p>
-            <a:pPr marL="0" marR="0" lvl="0" indent="0" algn="l" defTabSz="914400" rtl="0" eaLnBrk="1" fontAlgn="auto" latinLnBrk="0" hangingPunct="1">
-              <a:lnSpc>
-                <a:spcPct val="100000"/>
-              </a:lnSpc>
-              <a:spcBef>
-                <a:spcPts val="0"/>
-              </a:spcBef>
-              <a:spcAft>
-                <a:spcPts val="0"/>
-              </a:spcAft>
-              <a:buClrTx/>
-              <a:buSzTx/>
-              <a:buFontTx/>
-              <a:buNone/>
-              <a:tabLst/>
-              <a:defRPr/>
-            </a:pPr>
-            <a:endParaRPr kumimoji="0" lang="en-US" sz="1200" b="0" i="0" u="none" strike="noStrike" kern="1200" cap="none" spc="0" normalizeH="0" baseline="0" noProof="0" dirty="0">
-              <a:ln>
-                <a:noFill/>
-              </a:ln>
-              <a:solidFill>
-                <a:srgbClr val="212121"/>
-              </a:solidFill>
-              <a:effectLst/>
-              <a:uLnTx/>
-              <a:uFillTx/>
-              <a:latin typeface="Calibri" panose="020F0502020204030204" pitchFamily="34" charset="0"/>
-              <a:ea typeface="+mn-ea"/>
-              <a:cs typeface="+mn-cs"/>
-            </a:endParaRPr>
-          </a:p>
-          <a:p>
-            <a:pPr marL="0" marR="0" lvl="0" indent="0" algn="l" defTabSz="914400" rtl="0" eaLnBrk="1" fontAlgn="auto" latinLnBrk="0" hangingPunct="1">
-              <a:lnSpc>
-                <a:spcPct val="100000"/>
-              </a:lnSpc>
-              <a:spcBef>
-                <a:spcPts val="0"/>
-              </a:spcBef>
-              <a:spcAft>
-                <a:spcPts val="0"/>
-              </a:spcAft>
-              <a:buClrTx/>
-              <a:buSzTx/>
-              <a:buFontTx/>
-              <a:buNone/>
-              <a:tabLst/>
-              <a:defRPr/>
-            </a:pPr>
-            <a:endParaRPr kumimoji="0" lang="en-US" sz="1200" b="0" i="0" u="none" strike="noStrike" kern="1200" cap="none" spc="0" normalizeH="0" baseline="0" noProof="0" dirty="0">
-              <a:ln>
-                <a:noFill/>
-              </a:ln>
-              <a:solidFill>
-                <a:srgbClr val="008272"/>
-              </a:solidFill>
-              <a:effectLst/>
-              <a:uLnTx/>
-              <a:uFillTx/>
-              <a:latin typeface="Calibri" panose="020F0502020204030204" pitchFamily="34" charset="0"/>
-              <a:ea typeface="+mn-ea"/>
-              <a:cs typeface="+mn-cs"/>
-            </a:endParaRPr>
-          </a:p>
-        </p:txBody>
-      </p:sp>
-      <p:pic>
-        <p:nvPicPr>
-          <p:cNvPr id="2" name="Picture 1">
-            <a:extLst>
-              <a:ext uri="{FF2B5EF4-FFF2-40B4-BE49-F238E27FC236}">
-                <a16:creationId xmlns:a16="http://schemas.microsoft.com/office/drawing/2014/main" id="{6CA8E0FA-D45A-033D-ECC9-3BCF48250C89}"/>
-              </a:ext>
-            </a:extLst>
-          </p:cNvPr>
-          <p:cNvPicPr>
-            <a:picLocks noChangeAspect="1"/>
-          </p:cNvPicPr>
-          <p:nvPr/>
-        </p:nvPicPr>
-        <p:blipFill>
-          <a:blip r:embed="rId14"/>
-          <a:stretch>
-            <a:fillRect/>
-          </a:stretch>
-        </p:blipFill>
-        <p:spPr>
-          <a:xfrm>
-            <a:off x="10215234" y="-96283"/>
-            <a:ext cx="1976766" cy="653831"/>
-          </a:xfrm>
-          <a:prstGeom prst="rect">
-            <a:avLst/>
-          </a:prstGeom>
-        </p:spPr>
-      </p:pic>
-    </p:spTree>
-    <p:extLst>
-      <p:ext uri="{BB962C8B-B14F-4D97-AF65-F5344CB8AC3E}">
-        <p14:creationId xmlns:p14="http://schemas.microsoft.com/office/powerpoint/2010/main" val="3164376787"/>
-      </p:ext>
-    </p:extLst>
-  </p:cSld>
-  <p:clrMapOvr>
-    <a:masterClrMapping/>
-  </p:clrMapOvr>
-  <p:transition>
-    <p:fade/>
-  </p:transition>
 </p:sld>
 </file>
 
@@ -25095,6 +23797,1478 @@
     <p:extLst>
       <p:ext uri="{BB962C8B-B14F-4D97-AF65-F5344CB8AC3E}">
         <p14:creationId xmlns:p14="http://schemas.microsoft.com/office/powerpoint/2010/main" val="3646346134"/>
+      </p:ext>
+    </p:extLst>
+  </p:cSld>
+  <p:clrMapOvr>
+    <a:masterClrMapping/>
+  </p:clrMapOvr>
+  <p:transition>
+    <p:fade/>
+  </p:transition>
+</p:sld>
+</file>
+
+<file path=ppt/slides/slide20.xml><?xml version="1.0" encoding="utf-8"?>
+<p:sld xmlns:a="http://schemas.openxmlformats.org/drawingml/2006/main" xmlns:r="http://schemas.openxmlformats.org/officeDocument/2006/relationships" xmlns:p="http://schemas.openxmlformats.org/presentationml/2006/main">
+  <p:cSld>
+    <p:spTree>
+      <p:nvGrpSpPr>
+        <p:cNvPr id="1" name=""/>
+        <p:cNvGrpSpPr/>
+        <p:nvPr/>
+      </p:nvGrpSpPr>
+      <p:grpSpPr>
+        <a:xfrm>
+          <a:off x="0" y="0"/>
+          <a:ext cx="0" cy="0"/>
+          <a:chOff x="0" y="0"/>
+          <a:chExt cx="0" cy="0"/>
+        </a:xfrm>
+      </p:grpSpPr>
+      <p:sp>
+        <p:nvSpPr>
+          <p:cNvPr id="4" name="Title 3">
+            <a:extLst>
+              <a:ext uri="{FF2B5EF4-FFF2-40B4-BE49-F238E27FC236}">
+                <a16:creationId xmlns:a16="http://schemas.microsoft.com/office/drawing/2014/main" id="{4DA61EA3-5803-446D-B286-B5CDEA6F5F74}"/>
+              </a:ext>
+            </a:extLst>
+          </p:cNvPr>
+          <p:cNvSpPr>
+            <a:spLocks noGrp="1"/>
+          </p:cNvSpPr>
+          <p:nvPr>
+            <p:ph type="title"/>
+          </p:nvPr>
+        </p:nvSpPr>
+        <p:spPr/>
+        <p:txBody>
+          <a:bodyPr/>
+          <a:lstStyle/>
+          <a:p>
+            <a:r>
+              <a:rPr lang="en-IN" dirty="0"/>
+              <a:t>Readiness and Enablement Links</a:t>
+            </a:r>
+            <a:endParaRPr lang="en-US" dirty="0"/>
+          </a:p>
+        </p:txBody>
+      </p:sp>
+      <p:sp>
+        <p:nvSpPr>
+          <p:cNvPr id="13" name="TextBox 12">
+            <a:extLst>
+              <a:ext uri="{FF2B5EF4-FFF2-40B4-BE49-F238E27FC236}">
+                <a16:creationId xmlns:a16="http://schemas.microsoft.com/office/drawing/2014/main" id="{81B15E12-433C-23A4-B09C-03D14CACDEAA}"/>
+              </a:ext>
+            </a:extLst>
+          </p:cNvPr>
+          <p:cNvSpPr txBox="1"/>
+          <p:nvPr/>
+        </p:nvSpPr>
+        <p:spPr>
+          <a:xfrm>
+            <a:off x="323782" y="1225689"/>
+            <a:ext cx="10589036" cy="5878532"/>
+          </a:xfrm>
+          <a:prstGeom prst="rect">
+            <a:avLst/>
+          </a:prstGeom>
+          <a:noFill/>
+        </p:spPr>
+        <p:txBody>
+          <a:bodyPr wrap="square">
+            <a:spAutoFit/>
+          </a:bodyPr>
+          <a:lstStyle/>
+          <a:p>
+            <a:pPr marL="0" marR="0" lvl="0" indent="0" algn="l" defTabSz="914400" rtl="0" eaLnBrk="1" fontAlgn="auto" latinLnBrk="0" hangingPunct="1">
+              <a:lnSpc>
+                <a:spcPct val="100000"/>
+              </a:lnSpc>
+              <a:spcBef>
+                <a:spcPts val="0"/>
+              </a:spcBef>
+              <a:spcAft>
+                <a:spcPts val="0"/>
+              </a:spcAft>
+              <a:buClrTx/>
+              <a:buSzTx/>
+              <a:buFontTx/>
+              <a:buNone/>
+              <a:tabLst/>
+              <a:defRPr/>
+            </a:pPr>
+            <a:r>
+              <a:rPr kumimoji="0" lang="en-US" sz="1200" b="0" i="0" u="none" strike="noStrike" kern="1200" cap="none" spc="0" normalizeH="0" baseline="0" noProof="0" dirty="0">
+                <a:ln>
+                  <a:noFill/>
+                </a:ln>
+                <a:solidFill>
+                  <a:srgbClr val="FFFFFF"/>
+                </a:solidFill>
+                <a:effectLst/>
+                <a:uLnTx/>
+                <a:uFillTx/>
+                <a:latin typeface="Calibri" panose="020F0502020204030204" pitchFamily="34" charset="0"/>
+                <a:ea typeface="+mn-ea"/>
+                <a:cs typeface="+mn-cs"/>
+              </a:rPr>
+              <a:t>The Microsoft Federal Team is here to help you accelerate customers' digital transformation. Microsoft Federal has tailored to make your organizations skilling journey successful. From the Business Decision Maker to the technical community and end-users, Microsoft provides customers with access to endless skilling resources. Below you will find links to these resources:</a:t>
+            </a:r>
+            <a:br>
+              <a:rPr kumimoji="0" lang="en-US" sz="1200" b="0" i="0" u="none" strike="noStrike" kern="1200" cap="none" spc="0" normalizeH="0" baseline="0" noProof="0" dirty="0">
+                <a:ln>
+                  <a:noFill/>
+                </a:ln>
+                <a:solidFill>
+                  <a:srgbClr val="FFFFFF"/>
+                </a:solidFill>
+                <a:effectLst/>
+                <a:uLnTx/>
+                <a:uFillTx/>
+                <a:latin typeface="Calibri" panose="020F0502020204030204" pitchFamily="34" charset="0"/>
+                <a:ea typeface="+mn-ea"/>
+                <a:cs typeface="+mn-cs"/>
+              </a:rPr>
+            </a:br>
+            <a:endParaRPr kumimoji="0" lang="en-US" sz="1200" b="0" i="0" u="none" strike="noStrike" kern="1200" cap="none" spc="0" normalizeH="0" baseline="0" noProof="0" dirty="0">
+              <a:ln>
+                <a:noFill/>
+              </a:ln>
+              <a:solidFill>
+                <a:srgbClr val="FFFFFF"/>
+              </a:solidFill>
+              <a:effectLst/>
+              <a:uLnTx/>
+              <a:uFillTx/>
+              <a:latin typeface="Calibri" panose="020F0502020204030204" pitchFamily="34" charset="0"/>
+              <a:ea typeface="+mn-ea"/>
+              <a:cs typeface="+mn-cs"/>
+            </a:endParaRPr>
+          </a:p>
+          <a:p>
+            <a:pPr marL="0" marR="0" lvl="0" indent="0" algn="l" defTabSz="914400" rtl="0" eaLnBrk="1" fontAlgn="auto" latinLnBrk="0" hangingPunct="1">
+              <a:lnSpc>
+                <a:spcPct val="100000"/>
+              </a:lnSpc>
+              <a:spcBef>
+                <a:spcPts val="0"/>
+              </a:spcBef>
+              <a:spcAft>
+                <a:spcPts val="0"/>
+              </a:spcAft>
+              <a:buClrTx/>
+              <a:buSzTx/>
+              <a:buFontTx/>
+              <a:buNone/>
+              <a:tabLst/>
+              <a:defRPr/>
+            </a:pPr>
+            <a:r>
+              <a:rPr kumimoji="0" lang="en-US" sz="1200" b="1" i="0" u="none" strike="noStrike" kern="1200" cap="none" spc="0" normalizeH="0" baseline="0" noProof="0" dirty="0">
+                <a:ln>
+                  <a:noFill/>
+                </a:ln>
+                <a:solidFill>
+                  <a:srgbClr val="FFFFFF"/>
+                </a:solidFill>
+                <a:effectLst/>
+                <a:uLnTx/>
+                <a:uFillTx/>
+                <a:latin typeface="Calibri" panose="020F0502020204030204" pitchFamily="34" charset="0"/>
+                <a:ea typeface="+mn-ea"/>
+                <a:cs typeface="+mn-cs"/>
+              </a:rPr>
+              <a:t>Get training tailored to your organization's needs: </a:t>
+            </a:r>
+            <a:r>
+              <a:rPr kumimoji="0" lang="en-US" sz="1200" b="0" i="0" u="none" strike="noStrike" kern="1200" cap="none" spc="0" normalizeH="0" baseline="0" noProof="0" dirty="0">
+                <a:ln>
+                  <a:noFill/>
+                </a:ln>
+                <a:solidFill>
+                  <a:srgbClr val="FFFFFF"/>
+                </a:solidFill>
+                <a:effectLst/>
+                <a:uLnTx/>
+                <a:uFillTx/>
+                <a:latin typeface="Calibri" panose="020F0502020204030204" pitchFamily="34" charset="0"/>
+                <a:ea typeface="+mn-ea"/>
+                <a:cs typeface="+mn-cs"/>
+              </a:rPr>
+              <a:t>Find learning paths for specific roles in your organization, plus course recommendations based on technology, skill level, and solution area:</a:t>
+            </a:r>
+            <a:r>
+              <a:rPr kumimoji="0" lang="en-US" sz="1200" b="0" i="0" u="none" strike="noStrike" kern="1200" cap="none" spc="0" normalizeH="0" baseline="0" noProof="0" dirty="0">
+                <a:ln>
+                  <a:noFill/>
+                </a:ln>
+                <a:solidFill>
+                  <a:srgbClr val="212121"/>
+                </a:solidFill>
+                <a:effectLst/>
+                <a:uLnTx/>
+                <a:uFillTx/>
+                <a:latin typeface="Calibri" panose="020F0502020204030204" pitchFamily="34" charset="0"/>
+                <a:ea typeface="+mn-ea"/>
+                <a:cs typeface="+mn-cs"/>
+              </a:rPr>
+              <a:t> </a:t>
+            </a:r>
+            <a:r>
+              <a:rPr kumimoji="0" lang="en-US" sz="1200" b="0" i="0" u="none" strike="noStrike" kern="1200" cap="none" spc="0" normalizeH="0" baseline="0" noProof="0" dirty="0">
+                <a:ln>
+                  <a:noFill/>
+                </a:ln>
+                <a:solidFill>
+                  <a:srgbClr val="008272"/>
+                </a:solidFill>
+                <a:effectLst/>
+                <a:uLnTx/>
+                <a:uFillTx/>
+                <a:latin typeface="Calibri" panose="020F0502020204030204" pitchFamily="34" charset="0"/>
+                <a:ea typeface="+mn-ea"/>
+                <a:cs typeface="+mn-cs"/>
+                <a:hlinkClick r:id="rId3"/>
+              </a:rPr>
+              <a:t>Training | Learning Portal (microsoft.com)</a:t>
+            </a:r>
+            <a:br>
+              <a:rPr kumimoji="0" lang="en-US" sz="1200" b="0" i="0" u="none" strike="noStrike" kern="1200" cap="none" spc="0" normalizeH="0" baseline="0" noProof="0" dirty="0">
+                <a:ln>
+                  <a:noFill/>
+                </a:ln>
+                <a:solidFill>
+                  <a:srgbClr val="212121"/>
+                </a:solidFill>
+                <a:effectLst/>
+                <a:uLnTx/>
+                <a:uFillTx/>
+                <a:latin typeface="Calibri" panose="020F0502020204030204" pitchFamily="34" charset="0"/>
+                <a:ea typeface="+mn-ea"/>
+                <a:cs typeface="+mn-cs"/>
+              </a:rPr>
+            </a:br>
+            <a:endParaRPr kumimoji="0" lang="en-US" sz="1200" b="0" i="0" u="none" strike="noStrike" kern="1200" cap="none" spc="0" normalizeH="0" baseline="0" noProof="0" dirty="0">
+              <a:ln>
+                <a:noFill/>
+              </a:ln>
+              <a:solidFill>
+                <a:srgbClr val="212121"/>
+              </a:solidFill>
+              <a:effectLst/>
+              <a:uLnTx/>
+              <a:uFillTx/>
+              <a:latin typeface="Calibri" panose="020F0502020204030204" pitchFamily="34" charset="0"/>
+              <a:ea typeface="+mn-ea"/>
+              <a:cs typeface="+mn-cs"/>
+            </a:endParaRPr>
+          </a:p>
+          <a:p>
+            <a:pPr marL="0" marR="0" lvl="0" indent="0" algn="l" defTabSz="914400" rtl="0" eaLnBrk="1" fontAlgn="auto" latinLnBrk="0" hangingPunct="1">
+              <a:lnSpc>
+                <a:spcPct val="100000"/>
+              </a:lnSpc>
+              <a:spcBef>
+                <a:spcPts val="0"/>
+              </a:spcBef>
+              <a:spcAft>
+                <a:spcPts val="0"/>
+              </a:spcAft>
+              <a:buClrTx/>
+              <a:buSzTx/>
+              <a:buFontTx/>
+              <a:buNone/>
+              <a:tabLst/>
+              <a:defRPr/>
+            </a:pPr>
+            <a:r>
+              <a:rPr kumimoji="0" lang="en-US" sz="1200" b="0" i="0" u="none" strike="noStrike" kern="1200" cap="none" spc="0" normalizeH="0" baseline="0" noProof="0" dirty="0">
+                <a:ln>
+                  <a:noFill/>
+                </a:ln>
+                <a:solidFill>
+                  <a:srgbClr val="008272"/>
+                </a:solidFill>
+                <a:effectLst/>
+                <a:uLnTx/>
+                <a:uFillTx/>
+                <a:latin typeface="Calibri" panose="020F0502020204030204" pitchFamily="34" charset="0"/>
+                <a:ea typeface="+mn-ea"/>
+                <a:cs typeface="+mn-cs"/>
+                <a:hlinkClick r:id="rId4"/>
+              </a:rPr>
+              <a:t>Events Calendar - US Partner Community Blog – Microsoft</a:t>
+            </a:r>
+            <a:endParaRPr kumimoji="0" lang="en-US" sz="1200" b="0" i="0" u="none" strike="noStrike" kern="1200" cap="none" spc="0" normalizeH="0" baseline="0" noProof="0" dirty="0">
+              <a:ln>
+                <a:noFill/>
+              </a:ln>
+              <a:solidFill>
+                <a:srgbClr val="008272"/>
+              </a:solidFill>
+              <a:effectLst/>
+              <a:uLnTx/>
+              <a:uFillTx/>
+              <a:latin typeface="Calibri" panose="020F0502020204030204" pitchFamily="34" charset="0"/>
+              <a:ea typeface="+mn-ea"/>
+              <a:cs typeface="+mn-cs"/>
+            </a:endParaRPr>
+          </a:p>
+          <a:p>
+            <a:pPr marL="0" marR="0" lvl="0" indent="0" algn="l" defTabSz="914400" rtl="0" eaLnBrk="1" fontAlgn="auto" latinLnBrk="0" hangingPunct="1">
+              <a:lnSpc>
+                <a:spcPct val="100000"/>
+              </a:lnSpc>
+              <a:spcBef>
+                <a:spcPts val="0"/>
+              </a:spcBef>
+              <a:spcAft>
+                <a:spcPts val="0"/>
+              </a:spcAft>
+              <a:buClrTx/>
+              <a:buSzTx/>
+              <a:buFontTx/>
+              <a:buNone/>
+              <a:tabLst/>
+              <a:defRPr/>
+            </a:pPr>
+            <a:endParaRPr kumimoji="0" lang="en-US" sz="1200" b="0" i="0" u="none" strike="noStrike" kern="1200" cap="none" spc="0" normalizeH="0" baseline="0" noProof="0" dirty="0">
+              <a:ln>
+                <a:noFill/>
+              </a:ln>
+              <a:solidFill>
+                <a:srgbClr val="008272"/>
+              </a:solidFill>
+              <a:effectLst/>
+              <a:uLnTx/>
+              <a:uFillTx/>
+              <a:latin typeface="Calibri" panose="020F0502020204030204" pitchFamily="34" charset="0"/>
+              <a:ea typeface="+mn-ea"/>
+              <a:cs typeface="+mn-cs"/>
+            </a:endParaRPr>
+          </a:p>
+          <a:p>
+            <a:pPr marL="0" marR="0" lvl="0" indent="0" algn="l" defTabSz="914400" rtl="0" eaLnBrk="1" fontAlgn="auto" latinLnBrk="0" hangingPunct="1">
+              <a:lnSpc>
+                <a:spcPct val="100000"/>
+              </a:lnSpc>
+              <a:spcBef>
+                <a:spcPts val="0"/>
+              </a:spcBef>
+              <a:spcAft>
+                <a:spcPts val="0"/>
+              </a:spcAft>
+              <a:buClrTx/>
+              <a:buSzTx/>
+              <a:buFontTx/>
+              <a:buNone/>
+              <a:tabLst/>
+              <a:defRPr/>
+            </a:pPr>
+            <a:r>
+              <a:rPr kumimoji="0" lang="en-US" sz="1200" b="1" i="0" u="none" strike="noStrike" kern="1200" cap="none" spc="0" normalizeH="0" baseline="0" noProof="0" dirty="0">
+                <a:ln>
+                  <a:noFill/>
+                </a:ln>
+                <a:solidFill>
+                  <a:srgbClr val="FFFFFF"/>
+                </a:solidFill>
+                <a:effectLst/>
+                <a:uLnTx/>
+                <a:uFillTx/>
+                <a:latin typeface="Calibri" panose="020F0502020204030204" pitchFamily="34" charset="0"/>
+                <a:ea typeface="+mn-ea"/>
+                <a:cs typeface="+mn-cs"/>
+              </a:rPr>
+              <a:t>In addition to the above, the Microsoft Federal Team can address the needs of your non-technical community of your learners through: </a:t>
+            </a:r>
+            <a:endParaRPr kumimoji="0" lang="en-US" sz="1200" b="0" i="0" u="none" strike="noStrike" kern="1200" cap="none" spc="0" normalizeH="0" baseline="0" noProof="0" dirty="0">
+              <a:ln>
+                <a:noFill/>
+              </a:ln>
+              <a:solidFill>
+                <a:srgbClr val="FFFFFF"/>
+              </a:solidFill>
+              <a:effectLst/>
+              <a:uLnTx/>
+              <a:uFillTx/>
+              <a:latin typeface="Calibri" panose="020F0502020204030204" pitchFamily="34" charset="0"/>
+              <a:ea typeface="+mn-ea"/>
+              <a:cs typeface="+mn-cs"/>
+            </a:endParaRPr>
+          </a:p>
+          <a:p>
+            <a:pPr marL="0" marR="0" lvl="0" indent="0" algn="l" defTabSz="914400" rtl="0" eaLnBrk="1" fontAlgn="auto" latinLnBrk="0" hangingPunct="1">
+              <a:lnSpc>
+                <a:spcPct val="100000"/>
+              </a:lnSpc>
+              <a:spcBef>
+                <a:spcPts val="0"/>
+              </a:spcBef>
+              <a:spcAft>
+                <a:spcPts val="0"/>
+              </a:spcAft>
+              <a:buClrTx/>
+              <a:buSzTx/>
+              <a:buFont typeface="Arial" panose="020B0604020202020204" pitchFamily="34" charset="0"/>
+              <a:buChar char="•"/>
+              <a:tabLst/>
+              <a:defRPr/>
+            </a:pPr>
+            <a:r>
+              <a:rPr kumimoji="0" lang="en-US" sz="1200" b="0" i="0" u="none" strike="noStrike" kern="1200" cap="none" spc="0" normalizeH="0" baseline="0" noProof="0" dirty="0">
+                <a:ln>
+                  <a:noFill/>
+                </a:ln>
+                <a:solidFill>
+                  <a:srgbClr val="FFFFFF"/>
+                </a:solidFill>
+                <a:effectLst/>
+                <a:uLnTx/>
+                <a:uFillTx/>
+                <a:latin typeface="Calibri" panose="020F0502020204030204" pitchFamily="34" charset="0"/>
+                <a:ea typeface="+mn-ea"/>
+                <a:cs typeface="+mn-cs"/>
+              </a:rPr>
+              <a:t> Skilling Hours </a:t>
+            </a:r>
+            <a:r>
+              <a:rPr kumimoji="0" lang="en-US" sz="1200" b="0" i="0" u="none" strike="noStrike" kern="1200" cap="none" spc="0" normalizeH="0" baseline="0" noProof="0" dirty="0">
+                <a:ln>
+                  <a:noFill/>
+                </a:ln>
+                <a:solidFill>
+                  <a:srgbClr val="212121"/>
+                </a:solidFill>
+                <a:effectLst/>
+                <a:uLnTx/>
+                <a:uFillTx/>
+                <a:latin typeface="Calibri" panose="020F0502020204030204" pitchFamily="34" charset="0"/>
+                <a:ea typeface="+mn-ea"/>
+                <a:cs typeface="+mn-cs"/>
+              </a:rPr>
+              <a:t>- </a:t>
+            </a:r>
+            <a:r>
+              <a:rPr kumimoji="0" lang="en-US" sz="1200" b="0" i="0" u="none" strike="noStrike" kern="1200" cap="none" spc="0" normalizeH="0" baseline="0" noProof="0" dirty="0">
+                <a:ln>
+                  <a:noFill/>
+                </a:ln>
+                <a:solidFill>
+                  <a:srgbClr val="FFFFFF"/>
+                </a:solidFill>
+                <a:effectLst/>
+                <a:uLnTx/>
+                <a:uFillTx/>
+                <a:latin typeface="Segoe UI"/>
+                <a:ea typeface="+mn-ea"/>
+                <a:cs typeface="+mn-cs"/>
+                <a:hlinkClick r:id="rId5"/>
+              </a:rPr>
+              <a:t>Readiness and Enablement: Skilling our Federal Customers and Partners (office.com)</a:t>
+            </a:r>
+            <a:br>
+              <a:rPr kumimoji="0" lang="en-US" sz="1200" b="0" i="0" u="none" strike="noStrike" kern="1200" cap="none" spc="0" normalizeH="0" baseline="0" noProof="0" dirty="0">
+                <a:ln>
+                  <a:noFill/>
+                </a:ln>
+                <a:solidFill>
+                  <a:srgbClr val="212121"/>
+                </a:solidFill>
+                <a:effectLst/>
+                <a:uLnTx/>
+                <a:uFillTx/>
+                <a:latin typeface="Calibri" panose="020F0502020204030204" pitchFamily="34" charset="0"/>
+                <a:ea typeface="+mn-ea"/>
+                <a:cs typeface="+mn-cs"/>
+              </a:rPr>
+            </a:br>
+            <a:endParaRPr kumimoji="0" lang="en-US" sz="1200" b="0" i="0" u="none" strike="noStrike" kern="1200" cap="none" spc="0" normalizeH="0" baseline="0" noProof="0" dirty="0">
+              <a:ln>
+                <a:noFill/>
+              </a:ln>
+              <a:solidFill>
+                <a:srgbClr val="212121"/>
+              </a:solidFill>
+              <a:effectLst/>
+              <a:uLnTx/>
+              <a:uFillTx/>
+              <a:latin typeface="Calibri" panose="020F0502020204030204" pitchFamily="34" charset="0"/>
+              <a:ea typeface="+mn-ea"/>
+              <a:cs typeface="+mn-cs"/>
+            </a:endParaRPr>
+          </a:p>
+          <a:p>
+            <a:pPr marL="0" marR="0" lvl="0" indent="0" algn="l" defTabSz="914400" rtl="0" eaLnBrk="1" fontAlgn="auto" latinLnBrk="0" hangingPunct="1">
+              <a:lnSpc>
+                <a:spcPct val="100000"/>
+              </a:lnSpc>
+              <a:spcBef>
+                <a:spcPts val="0"/>
+              </a:spcBef>
+              <a:spcAft>
+                <a:spcPts val="0"/>
+              </a:spcAft>
+              <a:buClrTx/>
+              <a:buSzTx/>
+              <a:buFontTx/>
+              <a:buNone/>
+              <a:tabLst/>
+              <a:defRPr/>
+            </a:pPr>
+            <a:r>
+              <a:rPr kumimoji="0" lang="en-US" sz="1200" b="1" i="0" u="none" strike="noStrike" kern="1200" cap="none" spc="0" normalizeH="0" baseline="0" noProof="0" dirty="0">
+                <a:ln>
+                  <a:noFill/>
+                </a:ln>
+                <a:solidFill>
+                  <a:srgbClr val="FFFFFF"/>
+                </a:solidFill>
+                <a:effectLst/>
+                <a:uLnTx/>
+                <a:uFillTx/>
+                <a:latin typeface="Calibri" panose="020F0502020204030204" pitchFamily="34" charset="0"/>
+                <a:ea typeface="+mn-ea"/>
+                <a:cs typeface="+mn-cs"/>
+              </a:rPr>
+              <a:t>Microsoft Learning Portal: </a:t>
+            </a:r>
+            <a:r>
+              <a:rPr kumimoji="0" lang="en-US" sz="1200" b="0" i="0" u="none" strike="noStrike" kern="1200" cap="none" spc="0" normalizeH="0" baseline="0" noProof="0" dirty="0">
+                <a:ln>
+                  <a:noFill/>
+                </a:ln>
+                <a:solidFill>
+                  <a:srgbClr val="FFFFFF"/>
+                </a:solidFill>
+                <a:effectLst/>
+                <a:uLnTx/>
+                <a:uFillTx/>
+                <a:latin typeface="Calibri" panose="020F0502020204030204" pitchFamily="34" charset="0"/>
+                <a:ea typeface="+mn-ea"/>
+                <a:cs typeface="+mn-cs"/>
+              </a:rPr>
+              <a:t>A closer look at Azure through training modules and gamified learning </a:t>
+            </a:r>
+          </a:p>
+          <a:p>
+            <a:pPr marL="0" marR="0" lvl="0" indent="0" algn="l" defTabSz="914400" rtl="0" eaLnBrk="1" fontAlgn="auto" latinLnBrk="0" hangingPunct="1">
+              <a:lnSpc>
+                <a:spcPct val="100000"/>
+              </a:lnSpc>
+              <a:spcBef>
+                <a:spcPts val="0"/>
+              </a:spcBef>
+              <a:spcAft>
+                <a:spcPts val="0"/>
+              </a:spcAft>
+              <a:buClrTx/>
+              <a:buSzTx/>
+              <a:buFontTx/>
+              <a:buNone/>
+              <a:tabLst/>
+              <a:defRPr/>
+            </a:pPr>
+            <a:r>
+              <a:rPr kumimoji="0" lang="en-US" sz="1200" b="0" i="0" u="none" strike="noStrike" kern="1200" cap="none" spc="0" normalizeH="0" baseline="0" noProof="0" dirty="0">
+                <a:ln>
+                  <a:noFill/>
+                </a:ln>
+                <a:solidFill>
+                  <a:srgbClr val="FFFFFF"/>
+                </a:solidFill>
+                <a:effectLst/>
+                <a:uLnTx/>
+                <a:uFillTx/>
+                <a:latin typeface="Calibri" panose="020F0502020204030204" pitchFamily="34" charset="0"/>
+                <a:ea typeface="+mn-ea"/>
+                <a:cs typeface="+mn-cs"/>
+                <a:hlinkClick r:id="rId6"/>
+              </a:rPr>
+              <a:t>Microsoft Learning Portal</a:t>
+            </a:r>
+            <a:endParaRPr kumimoji="0" lang="en-US" sz="1200" b="0" i="0" u="none" strike="noStrike" kern="1200" cap="none" spc="0" normalizeH="0" baseline="0" noProof="0" dirty="0">
+              <a:ln>
+                <a:noFill/>
+              </a:ln>
+              <a:solidFill>
+                <a:srgbClr val="FFFFFF"/>
+              </a:solidFill>
+              <a:effectLst/>
+              <a:uLnTx/>
+              <a:uFillTx/>
+              <a:latin typeface="Calibri" panose="020F0502020204030204" pitchFamily="34" charset="0"/>
+              <a:ea typeface="+mn-ea"/>
+              <a:cs typeface="+mn-cs"/>
+            </a:endParaRPr>
+          </a:p>
+          <a:p>
+            <a:pPr marL="0" marR="0" lvl="0" indent="0" algn="l" defTabSz="914400" rtl="0" eaLnBrk="1" fontAlgn="auto" latinLnBrk="0" hangingPunct="1">
+              <a:lnSpc>
+                <a:spcPct val="100000"/>
+              </a:lnSpc>
+              <a:spcBef>
+                <a:spcPts val="0"/>
+              </a:spcBef>
+              <a:spcAft>
+                <a:spcPts val="0"/>
+              </a:spcAft>
+              <a:buClrTx/>
+              <a:buSzTx/>
+              <a:buFontTx/>
+              <a:buNone/>
+              <a:tabLst/>
+              <a:defRPr/>
+            </a:pPr>
+            <a:endParaRPr kumimoji="0" lang="en-US" sz="1200" b="0" i="0" u="none" strike="noStrike" kern="1200" cap="none" spc="0" normalizeH="0" baseline="0" noProof="0" dirty="0">
+              <a:ln>
+                <a:noFill/>
+              </a:ln>
+              <a:solidFill>
+                <a:srgbClr val="212121"/>
+              </a:solidFill>
+              <a:effectLst/>
+              <a:uLnTx/>
+              <a:uFillTx/>
+              <a:latin typeface="Calibri" panose="020F0502020204030204" pitchFamily="34" charset="0"/>
+              <a:ea typeface="+mn-ea"/>
+              <a:cs typeface="+mn-cs"/>
+            </a:endParaRPr>
+          </a:p>
+          <a:p>
+            <a:pPr marL="0" marR="0" lvl="0" indent="0" algn="l" defTabSz="914400" rtl="0" eaLnBrk="1" fontAlgn="auto" latinLnBrk="0" hangingPunct="1">
+              <a:lnSpc>
+                <a:spcPct val="100000"/>
+              </a:lnSpc>
+              <a:spcBef>
+                <a:spcPts val="0"/>
+              </a:spcBef>
+              <a:spcAft>
+                <a:spcPts val="0"/>
+              </a:spcAft>
+              <a:buClrTx/>
+              <a:buSzTx/>
+              <a:buFontTx/>
+              <a:buNone/>
+              <a:tabLst/>
+              <a:defRPr/>
+            </a:pPr>
+            <a:r>
+              <a:rPr kumimoji="0" lang="en-US" sz="1200" b="1" i="0" u="none" strike="noStrike" kern="1200" cap="none" spc="0" normalizeH="0" baseline="0" noProof="0" dirty="0">
+                <a:ln>
+                  <a:noFill/>
+                </a:ln>
+                <a:solidFill>
+                  <a:srgbClr val="FFFFFF"/>
+                </a:solidFill>
+                <a:effectLst/>
+                <a:uLnTx/>
+                <a:uFillTx/>
+                <a:latin typeface="Calibri" panose="020F0502020204030204" pitchFamily="34" charset="0"/>
+                <a:ea typeface="+mn-ea"/>
+                <a:cs typeface="+mn-cs"/>
+              </a:rPr>
+              <a:t>Additional Learning Resources</a:t>
+            </a:r>
+            <a:r>
+              <a:rPr kumimoji="0" lang="en-US" sz="1200" b="0" i="0" u="none" strike="noStrike" kern="1200" cap="none" spc="0" normalizeH="0" baseline="0" noProof="0" dirty="0">
+                <a:ln>
+                  <a:noFill/>
+                </a:ln>
+                <a:solidFill>
+                  <a:srgbClr val="FFFFFF"/>
+                </a:solidFill>
+                <a:effectLst/>
+                <a:uLnTx/>
+                <a:uFillTx/>
+                <a:latin typeface="Calibri" panose="020F0502020204030204" pitchFamily="34" charset="0"/>
+                <a:ea typeface="+mn-ea"/>
+                <a:cs typeface="+mn-cs"/>
+              </a:rPr>
+              <a:t>:</a:t>
+            </a:r>
+            <a:br>
+              <a:rPr kumimoji="0" lang="en-US" sz="1200" b="0" i="0" u="none" strike="noStrike" kern="1200" cap="none" spc="0" normalizeH="0" baseline="0" noProof="0" dirty="0">
+                <a:ln>
+                  <a:noFill/>
+                </a:ln>
+                <a:solidFill>
+                  <a:srgbClr val="212121"/>
+                </a:solidFill>
+                <a:effectLst/>
+                <a:uLnTx/>
+                <a:uFillTx/>
+                <a:latin typeface="Calibri" panose="020F0502020204030204" pitchFamily="34" charset="0"/>
+                <a:ea typeface="+mn-ea"/>
+                <a:cs typeface="+mn-cs"/>
+              </a:rPr>
+            </a:br>
+            <a:endParaRPr kumimoji="0" lang="en-US" sz="1000" b="0" i="0" u="none" strike="noStrike" kern="1200" cap="none" spc="0" normalizeH="0" baseline="0" noProof="0" dirty="0">
+              <a:ln>
+                <a:noFill/>
+              </a:ln>
+              <a:solidFill>
+                <a:srgbClr val="212121"/>
+              </a:solidFill>
+              <a:effectLst/>
+              <a:uLnTx/>
+              <a:uFillTx/>
+              <a:latin typeface="Calibri" panose="020F0502020204030204" pitchFamily="34" charset="0"/>
+              <a:ea typeface="+mn-ea"/>
+              <a:cs typeface="+mn-cs"/>
+            </a:endParaRPr>
+          </a:p>
+          <a:p>
+            <a:pPr marL="0" marR="0" lvl="0" indent="0" algn="l" defTabSz="914400" rtl="0" eaLnBrk="1" fontAlgn="auto" latinLnBrk="0" hangingPunct="1">
+              <a:lnSpc>
+                <a:spcPct val="100000"/>
+              </a:lnSpc>
+              <a:spcBef>
+                <a:spcPts val="0"/>
+              </a:spcBef>
+              <a:spcAft>
+                <a:spcPts val="0"/>
+              </a:spcAft>
+              <a:buClrTx/>
+              <a:buSzTx/>
+              <a:buFontTx/>
+              <a:buNone/>
+              <a:tabLst/>
+              <a:defRPr/>
+            </a:pPr>
+            <a:r>
+              <a:rPr kumimoji="0" lang="en-US" sz="1000" b="0" i="0" u="none" strike="noStrike" kern="1200" cap="none" spc="0" normalizeH="0" baseline="0" noProof="0" dirty="0">
+                <a:ln>
+                  <a:noFill/>
+                </a:ln>
+                <a:solidFill>
+                  <a:srgbClr val="FFFFFF"/>
+                </a:solidFill>
+                <a:effectLst/>
+                <a:uLnTx/>
+                <a:uFillTx/>
+                <a:latin typeface="Segoe UI"/>
+                <a:ea typeface="+mn-ea"/>
+                <a:cs typeface="+mn-cs"/>
+                <a:hlinkClick r:id="rId7"/>
+              </a:rPr>
+              <a:t>Get started with Azure – Introduction | Microsoft Azure</a:t>
+            </a:r>
+            <a:endParaRPr kumimoji="0" lang="en-US" sz="1000" b="0" i="0" u="none" strike="noStrike" kern="1200" cap="none" spc="0" normalizeH="0" baseline="0" noProof="0" dirty="0">
+              <a:ln>
+                <a:noFill/>
+              </a:ln>
+              <a:solidFill>
+                <a:srgbClr val="FFFFFF"/>
+              </a:solidFill>
+              <a:effectLst/>
+              <a:uLnTx/>
+              <a:uFillTx/>
+              <a:latin typeface="Segoe UI"/>
+              <a:ea typeface="+mn-ea"/>
+              <a:cs typeface="+mn-cs"/>
+            </a:endParaRPr>
+          </a:p>
+          <a:p>
+            <a:pPr marL="0" marR="0" lvl="0" indent="0" algn="l" defTabSz="914400" rtl="0" eaLnBrk="1" fontAlgn="auto" latinLnBrk="0" hangingPunct="1">
+              <a:lnSpc>
+                <a:spcPct val="100000"/>
+              </a:lnSpc>
+              <a:spcBef>
+                <a:spcPts val="0"/>
+              </a:spcBef>
+              <a:spcAft>
+                <a:spcPts val="0"/>
+              </a:spcAft>
+              <a:buClrTx/>
+              <a:buSzTx/>
+              <a:buFontTx/>
+              <a:buNone/>
+              <a:tabLst/>
+              <a:defRPr/>
+            </a:pPr>
+            <a:endParaRPr kumimoji="0" lang="en-US" sz="1000" b="0" i="0" u="none" strike="noStrike" kern="1200" cap="none" spc="0" normalizeH="0" baseline="0" noProof="0" dirty="0">
+              <a:ln>
+                <a:noFill/>
+              </a:ln>
+              <a:solidFill>
+                <a:srgbClr val="008272"/>
+              </a:solidFill>
+              <a:effectLst/>
+              <a:uLnTx/>
+              <a:uFillTx/>
+              <a:latin typeface="Calibri" panose="020F0502020204030204" pitchFamily="34" charset="0"/>
+              <a:ea typeface="+mn-ea"/>
+              <a:cs typeface="+mn-cs"/>
+              <a:hlinkClick r:id="rId8"/>
+            </a:endParaRPr>
+          </a:p>
+          <a:p>
+            <a:pPr marL="0" marR="0" lvl="0" indent="0" algn="l" defTabSz="914400" rtl="0" eaLnBrk="1" fontAlgn="auto" latinLnBrk="0" hangingPunct="1">
+              <a:lnSpc>
+                <a:spcPct val="100000"/>
+              </a:lnSpc>
+              <a:spcBef>
+                <a:spcPts val="0"/>
+              </a:spcBef>
+              <a:spcAft>
+                <a:spcPts val="0"/>
+              </a:spcAft>
+              <a:buClrTx/>
+              <a:buSzTx/>
+              <a:buFontTx/>
+              <a:buNone/>
+              <a:tabLst/>
+              <a:defRPr/>
+            </a:pPr>
+            <a:r>
+              <a:rPr kumimoji="0" lang="en-US" sz="1000" b="0" i="0" u="none" strike="noStrike" kern="1200" cap="none" spc="0" normalizeH="0" baseline="0" noProof="0" dirty="0">
+                <a:ln>
+                  <a:noFill/>
+                </a:ln>
+                <a:solidFill>
+                  <a:srgbClr val="008272"/>
+                </a:solidFill>
+                <a:effectLst/>
+                <a:uLnTx/>
+                <a:uFillTx/>
+                <a:latin typeface="Calibri" panose="020F0502020204030204" pitchFamily="34" charset="0"/>
+                <a:ea typeface="+mn-ea"/>
+                <a:cs typeface="+mn-cs"/>
+                <a:hlinkClick r:id="rId8"/>
+              </a:rPr>
+              <a:t>Microsoft Learn</a:t>
+            </a:r>
+            <a:r>
+              <a:rPr kumimoji="0" lang="en-US" sz="1000" b="0" i="0" u="none" strike="noStrike" kern="1200" cap="none" spc="0" normalizeH="0" baseline="0" noProof="0" dirty="0">
+                <a:ln>
+                  <a:noFill/>
+                </a:ln>
+                <a:solidFill>
+                  <a:srgbClr val="212121"/>
+                </a:solidFill>
+                <a:effectLst/>
+                <a:uLnTx/>
+                <a:uFillTx/>
+                <a:latin typeface="Calibri" panose="020F0502020204030204" pitchFamily="34" charset="0"/>
+                <a:ea typeface="+mn-ea"/>
+                <a:cs typeface="+mn-cs"/>
+              </a:rPr>
+              <a:t> </a:t>
+            </a:r>
+            <a:r>
+              <a:rPr kumimoji="0" lang="en-US" sz="1000" b="0" i="0" u="none" strike="noStrike" kern="1200" cap="none" spc="0" normalizeH="0" baseline="0" noProof="0" dirty="0">
+                <a:ln>
+                  <a:noFill/>
+                </a:ln>
+                <a:solidFill>
+                  <a:srgbClr val="FFFFFF"/>
+                </a:solidFill>
+                <a:effectLst/>
+                <a:uLnTx/>
+                <a:uFillTx/>
+                <a:latin typeface="Calibri" panose="020F0502020204030204" pitchFamily="34" charset="0"/>
+                <a:ea typeface="+mn-ea"/>
+                <a:cs typeface="+mn-cs"/>
+              </a:rPr>
+              <a:t>(path-based)</a:t>
+            </a:r>
+            <a:br>
+              <a:rPr kumimoji="0" lang="en-US" sz="1000" b="0" i="0" u="none" strike="noStrike" kern="1200" cap="none" spc="0" normalizeH="0" baseline="0" noProof="0" dirty="0">
+                <a:ln>
+                  <a:noFill/>
+                </a:ln>
+                <a:solidFill>
+                  <a:srgbClr val="212121"/>
+                </a:solidFill>
+                <a:effectLst/>
+                <a:uLnTx/>
+                <a:uFillTx/>
+                <a:latin typeface="Calibri" panose="020F0502020204030204" pitchFamily="34" charset="0"/>
+                <a:ea typeface="+mn-ea"/>
+                <a:cs typeface="+mn-cs"/>
+              </a:rPr>
+            </a:br>
+            <a:endParaRPr kumimoji="0" lang="en-US" sz="1000" b="0" i="0" u="none" strike="noStrike" kern="1200" cap="none" spc="0" normalizeH="0" baseline="0" noProof="0" dirty="0">
+              <a:ln>
+                <a:noFill/>
+              </a:ln>
+              <a:solidFill>
+                <a:srgbClr val="212121"/>
+              </a:solidFill>
+              <a:effectLst/>
+              <a:uLnTx/>
+              <a:uFillTx/>
+              <a:latin typeface="Calibri" panose="020F0502020204030204" pitchFamily="34" charset="0"/>
+              <a:ea typeface="+mn-ea"/>
+              <a:cs typeface="+mn-cs"/>
+            </a:endParaRPr>
+          </a:p>
+          <a:p>
+            <a:pPr marL="0" marR="0" lvl="0" indent="0" algn="l" defTabSz="914400" rtl="0" eaLnBrk="1" fontAlgn="auto" latinLnBrk="0" hangingPunct="1">
+              <a:lnSpc>
+                <a:spcPct val="100000"/>
+              </a:lnSpc>
+              <a:spcBef>
+                <a:spcPts val="0"/>
+              </a:spcBef>
+              <a:spcAft>
+                <a:spcPts val="0"/>
+              </a:spcAft>
+              <a:buClrTx/>
+              <a:buSzTx/>
+              <a:buFontTx/>
+              <a:buNone/>
+              <a:tabLst/>
+              <a:defRPr/>
+            </a:pPr>
+            <a:r>
+              <a:rPr kumimoji="0" lang="en-US" sz="1000" b="0" i="0" u="none" strike="noStrike" kern="1200" cap="none" spc="0" normalizeH="0" baseline="0" noProof="0" dirty="0">
+                <a:ln>
+                  <a:noFill/>
+                </a:ln>
+                <a:solidFill>
+                  <a:srgbClr val="008272"/>
+                </a:solidFill>
+                <a:effectLst/>
+                <a:uLnTx/>
+                <a:uFillTx/>
+                <a:latin typeface="Calibri" panose="020F0502020204030204" pitchFamily="34" charset="0"/>
+                <a:ea typeface="+mn-ea"/>
+                <a:cs typeface="+mn-cs"/>
+                <a:hlinkClick r:id="rId9"/>
+              </a:rPr>
+              <a:t>Exam-based</a:t>
+            </a:r>
+            <a:r>
+              <a:rPr kumimoji="0" lang="en-US" sz="1000" b="0" i="0" u="none" strike="noStrike" kern="1200" cap="none" spc="0" normalizeH="0" baseline="0" noProof="0" dirty="0">
+                <a:ln>
+                  <a:noFill/>
+                </a:ln>
+                <a:solidFill>
+                  <a:srgbClr val="FFFFFF"/>
+                </a:solidFill>
+                <a:effectLst/>
+                <a:uLnTx/>
+                <a:uFillTx/>
+                <a:latin typeface="Calibri" panose="020F0502020204030204" pitchFamily="34" charset="0"/>
+                <a:ea typeface="+mn-ea"/>
+                <a:cs typeface="+mn-cs"/>
+              </a:rPr>
+              <a:t>: Select filters: Azure, D365, M365, Power Platform, and more</a:t>
+            </a:r>
+            <a:br>
+              <a:rPr kumimoji="0" lang="en-US" sz="1000" b="0" i="0" u="none" strike="noStrike" kern="1200" cap="none" spc="0" normalizeH="0" baseline="0" noProof="0" dirty="0">
+                <a:ln>
+                  <a:noFill/>
+                </a:ln>
+                <a:solidFill>
+                  <a:srgbClr val="212121"/>
+                </a:solidFill>
+                <a:effectLst/>
+                <a:uLnTx/>
+                <a:uFillTx/>
+                <a:latin typeface="Calibri" panose="020F0502020204030204" pitchFamily="34" charset="0"/>
+                <a:ea typeface="+mn-ea"/>
+                <a:cs typeface="+mn-cs"/>
+              </a:rPr>
+            </a:br>
+            <a:endParaRPr kumimoji="0" lang="en-US" sz="1000" b="0" i="0" u="none" strike="noStrike" kern="1200" cap="none" spc="0" normalizeH="0" baseline="0" noProof="0" dirty="0">
+              <a:ln>
+                <a:noFill/>
+              </a:ln>
+              <a:solidFill>
+                <a:srgbClr val="212121"/>
+              </a:solidFill>
+              <a:effectLst/>
+              <a:uLnTx/>
+              <a:uFillTx/>
+              <a:latin typeface="Calibri" panose="020F0502020204030204" pitchFamily="34" charset="0"/>
+              <a:ea typeface="+mn-ea"/>
+              <a:cs typeface="+mn-cs"/>
+            </a:endParaRPr>
+          </a:p>
+          <a:p>
+            <a:pPr marL="0" marR="0" lvl="0" indent="0" algn="l" defTabSz="914400" rtl="0" eaLnBrk="1" fontAlgn="auto" latinLnBrk="0" hangingPunct="1">
+              <a:lnSpc>
+                <a:spcPct val="100000"/>
+              </a:lnSpc>
+              <a:spcBef>
+                <a:spcPts val="0"/>
+              </a:spcBef>
+              <a:spcAft>
+                <a:spcPts val="0"/>
+              </a:spcAft>
+              <a:buClrTx/>
+              <a:buSzTx/>
+              <a:buFontTx/>
+              <a:buNone/>
+              <a:tabLst/>
+              <a:defRPr/>
+            </a:pPr>
+            <a:r>
+              <a:rPr kumimoji="0" lang="en-US" sz="1000" b="0" i="0" u="none" strike="noStrike" kern="1200" cap="none" spc="0" normalizeH="0" baseline="0" noProof="0" dirty="0">
+                <a:ln>
+                  <a:noFill/>
+                </a:ln>
+                <a:solidFill>
+                  <a:srgbClr val="008272"/>
+                </a:solidFill>
+                <a:effectLst/>
+                <a:uLnTx/>
+                <a:uFillTx/>
+                <a:latin typeface="Calibri" panose="020F0502020204030204" pitchFamily="34" charset="0"/>
+                <a:ea typeface="+mn-ea"/>
+                <a:cs typeface="+mn-cs"/>
+                <a:hlinkClick r:id="rId10"/>
+              </a:rPr>
+              <a:t>Microsoft Virtual Training Days</a:t>
+            </a:r>
+            <a:r>
+              <a:rPr kumimoji="0" lang="en-US" sz="1000" b="0" i="0" u="none" strike="noStrike" kern="1200" cap="none" spc="0" normalizeH="0" baseline="0" noProof="0" dirty="0">
+                <a:ln>
+                  <a:noFill/>
+                </a:ln>
+                <a:solidFill>
+                  <a:srgbClr val="008272"/>
+                </a:solidFill>
+                <a:effectLst/>
+                <a:uLnTx/>
+                <a:uFillTx/>
+                <a:latin typeface="Calibri" panose="020F0502020204030204" pitchFamily="34" charset="0"/>
+                <a:ea typeface="+mn-ea"/>
+                <a:cs typeface="+mn-cs"/>
+              </a:rPr>
+              <a:t> </a:t>
+            </a:r>
+            <a:r>
+              <a:rPr kumimoji="0" lang="en-US" sz="1000" b="0" i="0" u="none" strike="noStrike" kern="1200" cap="none" spc="0" normalizeH="0" baseline="0" noProof="0" dirty="0">
+                <a:ln>
+                  <a:noFill/>
+                </a:ln>
+                <a:solidFill>
+                  <a:srgbClr val="FFFFFF"/>
+                </a:solidFill>
+                <a:effectLst/>
+                <a:uLnTx/>
+                <a:uFillTx/>
+                <a:latin typeface="Segoe UI"/>
+                <a:ea typeface="+mn-ea"/>
+                <a:cs typeface="+mn-cs"/>
+              </a:rPr>
+              <a:t>– Virtual Instructor Led</a:t>
+            </a:r>
+            <a:br>
+              <a:rPr kumimoji="0" lang="en-US" sz="1000" b="0" i="0" u="none" strike="noStrike" kern="1200" cap="none" spc="0" normalizeH="0" baseline="0" noProof="0" dirty="0">
+                <a:ln>
+                  <a:noFill/>
+                </a:ln>
+                <a:solidFill>
+                  <a:srgbClr val="212121"/>
+                </a:solidFill>
+                <a:effectLst/>
+                <a:uLnTx/>
+                <a:uFillTx/>
+                <a:latin typeface="Calibri" panose="020F0502020204030204" pitchFamily="34" charset="0"/>
+                <a:ea typeface="+mn-ea"/>
+                <a:cs typeface="+mn-cs"/>
+              </a:rPr>
+            </a:br>
+            <a:endParaRPr kumimoji="0" lang="en-US" sz="1000" b="0" i="0" u="none" strike="noStrike" kern="1200" cap="none" spc="0" normalizeH="0" baseline="0" noProof="0" dirty="0">
+              <a:ln>
+                <a:noFill/>
+              </a:ln>
+              <a:solidFill>
+                <a:srgbClr val="212121"/>
+              </a:solidFill>
+              <a:effectLst/>
+              <a:uLnTx/>
+              <a:uFillTx/>
+              <a:latin typeface="Calibri" panose="020F0502020204030204" pitchFamily="34" charset="0"/>
+              <a:ea typeface="+mn-ea"/>
+              <a:cs typeface="+mn-cs"/>
+            </a:endParaRPr>
+          </a:p>
+          <a:p>
+            <a:pPr marL="0" marR="0" lvl="0" indent="0" algn="l" defTabSz="914400" rtl="0" eaLnBrk="1" fontAlgn="auto" latinLnBrk="0" hangingPunct="1">
+              <a:lnSpc>
+                <a:spcPct val="100000"/>
+              </a:lnSpc>
+              <a:spcBef>
+                <a:spcPts val="0"/>
+              </a:spcBef>
+              <a:spcAft>
+                <a:spcPts val="0"/>
+              </a:spcAft>
+              <a:buClrTx/>
+              <a:buSzTx/>
+              <a:buFontTx/>
+              <a:buNone/>
+              <a:tabLst/>
+              <a:defRPr/>
+            </a:pPr>
+            <a:r>
+              <a:rPr kumimoji="0" lang="en-US" sz="1000" b="0" i="0" u="none" strike="noStrike" kern="1200" cap="none" spc="0" normalizeH="0" baseline="0" noProof="0" dirty="0">
+                <a:ln>
+                  <a:noFill/>
+                </a:ln>
+                <a:solidFill>
+                  <a:srgbClr val="008272"/>
+                </a:solidFill>
+                <a:effectLst/>
+                <a:uLnTx/>
+                <a:uFillTx/>
+                <a:latin typeface="Calibri" panose="020F0502020204030204" pitchFamily="34" charset="0"/>
+                <a:ea typeface="+mn-ea"/>
+                <a:cs typeface="+mn-cs"/>
+                <a:hlinkClick r:id="rId11"/>
+              </a:rPr>
+              <a:t>Microsoft Technology Center</a:t>
+            </a:r>
+            <a:r>
+              <a:rPr kumimoji="0" lang="en-US" sz="1000" b="0" i="0" u="none" strike="noStrike" kern="1200" cap="none" spc="0" normalizeH="0" baseline="0" noProof="0" dirty="0">
+                <a:ln>
+                  <a:noFill/>
+                </a:ln>
+                <a:solidFill>
+                  <a:srgbClr val="008272"/>
+                </a:solidFill>
+                <a:effectLst/>
+                <a:uLnTx/>
+                <a:uFillTx/>
+                <a:latin typeface="Calibri" panose="020F0502020204030204" pitchFamily="34" charset="0"/>
+                <a:ea typeface="+mn-ea"/>
+                <a:cs typeface="+mn-cs"/>
+              </a:rPr>
+              <a:t>  </a:t>
+            </a:r>
+            <a:r>
+              <a:rPr kumimoji="0" lang="en-US" sz="1000" b="0" i="0" u="none" strike="noStrike" kern="1200" cap="none" spc="0" normalizeH="0" baseline="0" noProof="0" dirty="0">
+                <a:ln>
+                  <a:noFill/>
+                </a:ln>
+                <a:solidFill>
+                  <a:srgbClr val="FFFFFF"/>
+                </a:solidFill>
+                <a:effectLst/>
+                <a:uLnTx/>
+                <a:uFillTx/>
+                <a:latin typeface="Segoe UI"/>
+                <a:ea typeface="+mn-ea"/>
+                <a:cs typeface="+mn-cs"/>
+              </a:rPr>
+              <a:t>- Work through your Account Manager</a:t>
+            </a:r>
+          </a:p>
+          <a:p>
+            <a:pPr marL="0" marR="0" lvl="0" indent="0" algn="l" defTabSz="914400" rtl="0" eaLnBrk="1" fontAlgn="auto" latinLnBrk="0" hangingPunct="1">
+              <a:lnSpc>
+                <a:spcPct val="100000"/>
+              </a:lnSpc>
+              <a:spcBef>
+                <a:spcPts val="0"/>
+              </a:spcBef>
+              <a:spcAft>
+                <a:spcPts val="0"/>
+              </a:spcAft>
+              <a:buClrTx/>
+              <a:buSzTx/>
+              <a:buFontTx/>
+              <a:buNone/>
+              <a:tabLst/>
+              <a:defRPr/>
+            </a:pPr>
+            <a:endParaRPr kumimoji="0" lang="en-US" sz="1000" b="0" i="0" u="none" strike="noStrike" kern="1200" cap="none" spc="0" normalizeH="0" baseline="0" noProof="0" dirty="0">
+              <a:ln>
+                <a:noFill/>
+              </a:ln>
+              <a:solidFill>
+                <a:srgbClr val="008272"/>
+              </a:solidFill>
+              <a:effectLst/>
+              <a:uLnTx/>
+              <a:uFillTx/>
+              <a:latin typeface="Calibri" panose="020F0502020204030204" pitchFamily="34" charset="0"/>
+              <a:ea typeface="+mn-ea"/>
+              <a:cs typeface="+mn-cs"/>
+            </a:endParaRPr>
+          </a:p>
+          <a:p>
+            <a:pPr marL="0" marR="0" lvl="0" indent="0" algn="l" defTabSz="914400" rtl="0" eaLnBrk="1" fontAlgn="auto" latinLnBrk="0" hangingPunct="1">
+              <a:lnSpc>
+                <a:spcPct val="100000"/>
+              </a:lnSpc>
+              <a:spcBef>
+                <a:spcPts val="0"/>
+              </a:spcBef>
+              <a:spcAft>
+                <a:spcPts val="0"/>
+              </a:spcAft>
+              <a:buClrTx/>
+              <a:buSzTx/>
+              <a:buFontTx/>
+              <a:buNone/>
+              <a:tabLst/>
+              <a:defRPr/>
+            </a:pPr>
+            <a:r>
+              <a:rPr kumimoji="0" lang="en-US" sz="1000" b="0" i="0" u="none" strike="noStrike" kern="1200" cap="none" spc="0" normalizeH="0" baseline="0" noProof="0" dirty="0">
+                <a:ln>
+                  <a:noFill/>
+                </a:ln>
+                <a:solidFill>
+                  <a:srgbClr val="FFFFFF"/>
+                </a:solidFill>
+                <a:effectLst/>
+                <a:uLnTx/>
+                <a:uFillTx/>
+                <a:latin typeface="Segoe UI"/>
+                <a:ea typeface="+mn-ea"/>
+                <a:cs typeface="+mn-cs"/>
+                <a:hlinkClick r:id="rId12"/>
+              </a:rPr>
+              <a:t>Home - Microsoft Tech Community</a:t>
+            </a:r>
+            <a:endParaRPr kumimoji="0" lang="en-US" sz="1000" b="0" i="0" u="none" strike="noStrike" kern="1200" cap="none" spc="0" normalizeH="0" baseline="0" noProof="0" dirty="0">
+              <a:ln>
+                <a:noFill/>
+              </a:ln>
+              <a:solidFill>
+                <a:srgbClr val="008272"/>
+              </a:solidFill>
+              <a:effectLst/>
+              <a:uLnTx/>
+              <a:uFillTx/>
+              <a:latin typeface="Calibri" panose="020F0502020204030204" pitchFamily="34" charset="0"/>
+              <a:ea typeface="+mn-ea"/>
+              <a:cs typeface="+mn-cs"/>
+            </a:endParaRPr>
+          </a:p>
+          <a:p>
+            <a:pPr marL="0" marR="0" lvl="0" indent="0" algn="l" defTabSz="914400" rtl="0" eaLnBrk="1" fontAlgn="auto" latinLnBrk="0" hangingPunct="1">
+              <a:lnSpc>
+                <a:spcPct val="100000"/>
+              </a:lnSpc>
+              <a:spcBef>
+                <a:spcPts val="0"/>
+              </a:spcBef>
+              <a:spcAft>
+                <a:spcPts val="0"/>
+              </a:spcAft>
+              <a:buClrTx/>
+              <a:buSzTx/>
+              <a:buFontTx/>
+              <a:buNone/>
+              <a:tabLst/>
+              <a:defRPr/>
+            </a:pPr>
+            <a:endParaRPr kumimoji="0" lang="en-US" sz="1000" b="0" i="0" u="none" strike="noStrike" kern="1200" cap="none" spc="0" normalizeH="0" baseline="0" noProof="0" dirty="0">
+              <a:ln>
+                <a:noFill/>
+              </a:ln>
+              <a:solidFill>
+                <a:srgbClr val="008272"/>
+              </a:solidFill>
+              <a:effectLst/>
+              <a:uLnTx/>
+              <a:uFillTx/>
+              <a:latin typeface="Calibri" panose="020F0502020204030204" pitchFamily="34" charset="0"/>
+              <a:ea typeface="+mn-ea"/>
+              <a:cs typeface="+mn-cs"/>
+            </a:endParaRPr>
+          </a:p>
+          <a:p>
+            <a:pPr marL="0" marR="0" lvl="0" indent="0" algn="l" defTabSz="914400" rtl="0" eaLnBrk="1" fontAlgn="auto" latinLnBrk="0" hangingPunct="1">
+              <a:lnSpc>
+                <a:spcPct val="100000"/>
+              </a:lnSpc>
+              <a:spcBef>
+                <a:spcPts val="0"/>
+              </a:spcBef>
+              <a:spcAft>
+                <a:spcPts val="0"/>
+              </a:spcAft>
+              <a:buClrTx/>
+              <a:buSzTx/>
+              <a:buFontTx/>
+              <a:buNone/>
+              <a:tabLst/>
+              <a:defRPr/>
+            </a:pPr>
+            <a:r>
+              <a:rPr kumimoji="0" lang="en-US" sz="1000" b="0" i="0" u="none" strike="noStrike" kern="1200" cap="none" spc="0" normalizeH="0" baseline="0" noProof="0" dirty="0">
+                <a:ln>
+                  <a:noFill/>
+                </a:ln>
+                <a:solidFill>
+                  <a:srgbClr val="FFFFFF"/>
+                </a:solidFill>
+                <a:effectLst/>
+                <a:uLnTx/>
+                <a:uFillTx/>
+                <a:latin typeface="Segoe UI"/>
+                <a:ea typeface="+mn-ea"/>
+                <a:cs typeface="+mn-cs"/>
+                <a:hlinkClick r:id="rId13"/>
+              </a:rPr>
+              <a:t>Microsoft Reactor | Microsoft Developer</a:t>
+            </a:r>
+            <a:r>
+              <a:rPr kumimoji="0" lang="en-US" sz="1000" b="0" i="0" u="none" strike="noStrike" kern="1200" cap="none" spc="0" normalizeH="0" baseline="0" noProof="0" dirty="0">
+                <a:ln>
+                  <a:noFill/>
+                </a:ln>
+                <a:solidFill>
+                  <a:srgbClr val="FFFFFF"/>
+                </a:solidFill>
+                <a:effectLst/>
+                <a:uLnTx/>
+                <a:uFillTx/>
+                <a:latin typeface="Segoe UI"/>
+                <a:ea typeface="+mn-ea"/>
+                <a:cs typeface="+mn-cs"/>
+              </a:rPr>
+              <a:t> – Virtual Instructor Led</a:t>
+            </a:r>
+          </a:p>
+          <a:p>
+            <a:pPr marL="0" marR="0" lvl="0" indent="0" algn="l" defTabSz="914400" rtl="0" eaLnBrk="1" fontAlgn="auto" latinLnBrk="0" hangingPunct="1">
+              <a:lnSpc>
+                <a:spcPct val="100000"/>
+              </a:lnSpc>
+              <a:spcBef>
+                <a:spcPts val="0"/>
+              </a:spcBef>
+              <a:spcAft>
+                <a:spcPts val="0"/>
+              </a:spcAft>
+              <a:buClrTx/>
+              <a:buSzTx/>
+              <a:buFontTx/>
+              <a:buNone/>
+              <a:tabLst/>
+              <a:defRPr/>
+            </a:pPr>
+            <a:endParaRPr kumimoji="0" lang="en-US" sz="1000" b="0" i="0" u="none" strike="noStrike" kern="1200" cap="none" spc="0" normalizeH="0" baseline="0" noProof="0" dirty="0">
+              <a:ln>
+                <a:noFill/>
+              </a:ln>
+              <a:solidFill>
+                <a:srgbClr val="FFFFFF"/>
+              </a:solidFill>
+              <a:effectLst/>
+              <a:uLnTx/>
+              <a:uFillTx/>
+              <a:latin typeface="Segoe UI"/>
+              <a:ea typeface="+mn-ea"/>
+              <a:cs typeface="+mn-cs"/>
+            </a:endParaRPr>
+          </a:p>
+          <a:p>
+            <a:pPr marL="0" marR="0" lvl="0" indent="0" algn="l" defTabSz="914400" rtl="0" eaLnBrk="1" fontAlgn="auto" latinLnBrk="0" hangingPunct="1">
+              <a:lnSpc>
+                <a:spcPct val="100000"/>
+              </a:lnSpc>
+              <a:spcBef>
+                <a:spcPts val="0"/>
+              </a:spcBef>
+              <a:spcAft>
+                <a:spcPts val="0"/>
+              </a:spcAft>
+              <a:buClrTx/>
+              <a:buSzTx/>
+              <a:buFontTx/>
+              <a:buNone/>
+              <a:tabLst/>
+              <a:defRPr/>
+            </a:pPr>
+            <a:endParaRPr kumimoji="0" lang="en-US" sz="1200" b="0" i="0" u="none" strike="noStrike" kern="1200" cap="none" spc="0" normalizeH="0" baseline="0" noProof="0" dirty="0">
+              <a:ln>
+                <a:noFill/>
+              </a:ln>
+              <a:solidFill>
+                <a:srgbClr val="212121"/>
+              </a:solidFill>
+              <a:effectLst/>
+              <a:uLnTx/>
+              <a:uFillTx/>
+              <a:latin typeface="Calibri" panose="020F0502020204030204" pitchFamily="34" charset="0"/>
+              <a:ea typeface="+mn-ea"/>
+              <a:cs typeface="+mn-cs"/>
+            </a:endParaRPr>
+          </a:p>
+          <a:p>
+            <a:pPr marL="0" marR="0" lvl="0" indent="0" algn="l" defTabSz="914400" rtl="0" eaLnBrk="1" fontAlgn="auto" latinLnBrk="0" hangingPunct="1">
+              <a:lnSpc>
+                <a:spcPct val="100000"/>
+              </a:lnSpc>
+              <a:spcBef>
+                <a:spcPts val="0"/>
+              </a:spcBef>
+              <a:spcAft>
+                <a:spcPts val="0"/>
+              </a:spcAft>
+              <a:buClrTx/>
+              <a:buSzTx/>
+              <a:buFontTx/>
+              <a:buNone/>
+              <a:tabLst/>
+              <a:defRPr/>
+            </a:pPr>
+            <a:endParaRPr kumimoji="0" lang="en-US" sz="1200" b="0" i="0" u="none" strike="noStrike" kern="1200" cap="none" spc="0" normalizeH="0" baseline="0" noProof="0" dirty="0">
+              <a:ln>
+                <a:noFill/>
+              </a:ln>
+              <a:solidFill>
+                <a:srgbClr val="008272"/>
+              </a:solidFill>
+              <a:effectLst/>
+              <a:uLnTx/>
+              <a:uFillTx/>
+              <a:latin typeface="Calibri" panose="020F0502020204030204" pitchFamily="34" charset="0"/>
+              <a:ea typeface="+mn-ea"/>
+              <a:cs typeface="+mn-cs"/>
+            </a:endParaRPr>
+          </a:p>
+        </p:txBody>
+      </p:sp>
+      <p:pic>
+        <p:nvPicPr>
+          <p:cNvPr id="2" name="Picture 1">
+            <a:extLst>
+              <a:ext uri="{FF2B5EF4-FFF2-40B4-BE49-F238E27FC236}">
+                <a16:creationId xmlns:a16="http://schemas.microsoft.com/office/drawing/2014/main" id="{6CA8E0FA-D45A-033D-ECC9-3BCF48250C89}"/>
+              </a:ext>
+            </a:extLst>
+          </p:cNvPr>
+          <p:cNvPicPr>
+            <a:picLocks noChangeAspect="1"/>
+          </p:cNvPicPr>
+          <p:nvPr/>
+        </p:nvPicPr>
+        <p:blipFill>
+          <a:blip r:embed="rId14"/>
+          <a:stretch>
+            <a:fillRect/>
+          </a:stretch>
+        </p:blipFill>
+        <p:spPr>
+          <a:xfrm>
+            <a:off x="10215234" y="-96283"/>
+            <a:ext cx="1976766" cy="653831"/>
+          </a:xfrm>
+          <a:prstGeom prst="rect">
+            <a:avLst/>
+          </a:prstGeom>
+        </p:spPr>
+      </p:pic>
+    </p:spTree>
+    <p:extLst>
+      <p:ext uri="{BB962C8B-B14F-4D97-AF65-F5344CB8AC3E}">
+        <p14:creationId xmlns:p14="http://schemas.microsoft.com/office/powerpoint/2010/main" val="3164376787"/>
       </p:ext>
     </p:extLst>
   </p:cSld>
@@ -32581,6 +32755,12 @@
 </file>
 
 <file path=customXml/item2.xml><?xml version="1.0" encoding="utf-8"?>
+<p:properties xmlns:p="http://schemas.microsoft.com/office/2006/metadata/properties" xmlns:xsi="http://www.w3.org/2001/XMLSchema-instance" xmlns:pc="http://schemas.microsoft.com/office/infopath/2007/PartnerControls">
+  <documentManagement/>
+</p:properties>
+</file>
+
+<file path=customXml/item3.xml><?xml version="1.0" encoding="utf-8"?>
 <ct:contentTypeSchema xmlns:ct="http://schemas.microsoft.com/office/2006/metadata/contentType" xmlns:ma="http://schemas.microsoft.com/office/2006/metadata/properties/metaAttributes" ct:_="" ma:_="" ma:contentTypeName="Document" ma:contentTypeID="0x010100B8CFE09A3088BA4C8DAD689BB01679B8" ma:contentTypeVersion="10" ma:contentTypeDescription="Create a new document." ma:contentTypeScope="" ma:versionID="76f34acd9020c8ce1aab729b67fd078e">
   <xsd:schema xmlns:xsd="http://www.w3.org/2001/XMLSchema" xmlns:xs="http://www.w3.org/2001/XMLSchema" xmlns:p="http://schemas.microsoft.com/office/2006/metadata/properties" xmlns:ns2="30241bb1-3633-4696-a205-62244f9c1dd7" targetNamespace="http://schemas.microsoft.com/office/2006/metadata/properties" ma:root="true" ma:fieldsID="a37d36f2a6ec64e42d083cbe14a0e6d2" ns2:_="">
     <xsd:import namespace="30241bb1-3633-4696-a205-62244f9c1dd7"/>
@@ -32764,12 +32944,6 @@
 </ct:contentTypeSchema>
 </file>
 
-<file path=customXml/item3.xml><?xml version="1.0" encoding="utf-8"?>
-<p:properties xmlns:p="http://schemas.microsoft.com/office/2006/metadata/properties" xmlns:xsi="http://www.w3.org/2001/XMLSchema-instance" xmlns:pc="http://schemas.microsoft.com/office/infopath/2007/PartnerControls">
-  <documentManagement/>
-</p:properties>
-</file>
-
 <file path=customXml/itemProps1.xml><?xml version="1.0" encoding="utf-8"?>
 <ds:datastoreItem xmlns:ds="http://schemas.openxmlformats.org/officeDocument/2006/customXml" ds:itemID="{08B55F93-F793-45E6-8EF9-B02CA25D11D4}">
   <ds:schemaRefs>
@@ -32779,10 +32953,6 @@
 </file>
 
 <file path=customXml/itemProps2.xml><?xml version="1.0" encoding="utf-8"?>
-<ds:datastoreItem xmlns:ds="http://schemas.openxmlformats.org/officeDocument/2006/customXml" ds:itemID="{C36E6888-4BDD-4530-BFEF-A5BB892DC1D3}"/>
-</file>
-
-<file path=customXml/itemProps3.xml><?xml version="1.0" encoding="utf-8"?>
 <ds:datastoreItem xmlns:ds="http://schemas.openxmlformats.org/officeDocument/2006/customXml" ds:itemID="{EDCB3B52-9508-4A63-AFCC-05E7630C15CA}">
   <ds:schemaRefs>
     <ds:schemaRef ds:uri="http://schemas.microsoft.com/office/2006/metadata/properties"/>
@@ -32793,6 +32963,24 @@
 </ds:datastoreItem>
 </file>
 
+<file path=customXml/itemProps3.xml><?xml version="1.0" encoding="utf-8"?>
+<ds:datastoreItem xmlns:ds="http://schemas.openxmlformats.org/officeDocument/2006/customXml" ds:itemID="{12EE03F9-D0D1-4477-A802-AA975252404A}">
+  <ds:schemaRefs>
+    <ds:schemaRef ds:uri="http://schemas.microsoft.com/office/2006/metadata/contentType"/>
+    <ds:schemaRef ds:uri="http://schemas.microsoft.com/office/2006/metadata/properties/metaAttributes"/>
+    <ds:schemaRef ds:uri="http://www.w3.org/2001/XMLSchema"/>
+    <ds:schemaRef ds:uri="http://schemas.microsoft.com/office/2006/metadata/properties"/>
+    <ds:schemaRef ds:uri="30241bb1-3633-4696-a205-62244f9c1dd7"/>
+    <ds:schemaRef ds:uri="http://schemas.microsoft.com/office/2006/documentManagement/types"/>
+    <ds:schemaRef ds:uri="http://schemas.microsoft.com/office/infopath/2007/PartnerControls"/>
+    <ds:schemaRef ds:uri="http://schemas.openxmlformats.org/package/2006/metadata/core-properties"/>
+    <ds:schemaRef ds:uri="http://purl.org/dc/elements/1.1/"/>
+    <ds:schemaRef ds:uri="http://purl.org/dc/terms/"/>
+    <ds:schemaRef ds:uri="http://schemas.microsoft.com/internal/obd"/>
+  </ds:schemaRefs>
+</ds:datastoreItem>
+</file>
+
 <file path=docMetadata/LabelInfo.xml><?xml version="1.0" encoding="utf-8"?>
 <clbl:labelList xmlns:clbl="http://schemas.microsoft.com/office/2020/mipLabelMetadata">
   <clbl:label id="{f42aa342-8706-4288-bd11-ebb85995028c}" enabled="1" method="Standard" siteId="{72f988bf-86f1-41af-91ab-2d7cd011db47}" contentBits="0" removed="0"/>

--- a/slides/Dantoni-Opsgility-MSFabric-Module10.pptx
+++ b/slides/Dantoni-Opsgility-MSFabric-Module10.pptx
@@ -3367,7 +3367,7 @@
           <a:p>
             <a:fld id="{0D354273-E04F-4A6B-AB46-301CAB090479}" type="datetimeFigureOut">
               <a:rPr lang="en-US" smtClean="0"/>
-              <a:t>9/25/2023</a:t>
+              <a:t>11/21/2023</a:t>
             </a:fld>
             <a:endParaRPr lang="en-US" dirty="0"/>
           </a:p>
@@ -3807,7 +3807,7 @@
           <a:p>
             <a:fld id="{73C44958-1AC4-45E3-BED1-8C16F0CD0A0C}" type="datetime8">
               <a:rPr lang="en-US" smtClean="0"/>
-              <a:t>9/25/2023 2:38 AM</a:t>
+              <a:t>11/21/2023 10:30 AM</a:t>
             </a:fld>
             <a:endParaRPr lang="en-US" dirty="0"/>
           </a:p>
@@ -4237,7 +4237,7 @@
           <a:p>
             <a:fld id="{73C44958-1AC4-45E3-BED1-8C16F0CD0A0C}" type="datetime8">
               <a:rPr lang="en-US" smtClean="0"/>
-              <a:t>9/25/2023 2:38 AM</a:t>
+              <a:t>11/21/2023 10:30 AM</a:t>
             </a:fld>
             <a:endParaRPr lang="en-US" dirty="0"/>
           </a:p>
@@ -4441,7 +4441,7 @@
           <a:p>
             <a:fld id="{73C44958-1AC4-45E3-BED1-8C16F0CD0A0C}" type="datetime8">
               <a:rPr lang="en-US" smtClean="0"/>
-              <a:t>9/25/2023 2:38 AM</a:t>
+              <a:t>11/21/2023 10:30 AM</a:t>
             </a:fld>
             <a:endParaRPr lang="en-US" dirty="0"/>
           </a:p>
@@ -4651,7 +4651,7 @@
           <a:p>
             <a:fld id="{73C44958-1AC4-45E3-BED1-8C16F0CD0A0C}" type="datetime8">
               <a:rPr lang="en-US" smtClean="0"/>
-              <a:t>9/25/2023 2:38 AM</a:t>
+              <a:t>11/21/2023 10:30 AM</a:t>
             </a:fld>
             <a:endParaRPr lang="en-US" dirty="0"/>
           </a:p>
@@ -4980,7 +4980,7 @@
           <a:p>
             <a:fld id="{73C44958-1AC4-45E3-BED1-8C16F0CD0A0C}" type="datetime8">
               <a:rPr lang="en-US" smtClean="0"/>
-              <a:t>9/25/2023 2:38 AM</a:t>
+              <a:t>11/21/2023 10:30 AM</a:t>
             </a:fld>
             <a:endParaRPr lang="en-US" dirty="0"/>
           </a:p>
@@ -5093,7 +5093,7 @@
                 <a:effectLst/>
                 <a:latin typeface="Segoe UI" panose="020B0502040204020203" pitchFamily="34" charset="0"/>
               </a:rPr>
-              <a:t>, a default Power BI dataset is created with the SQL Endpoint.</a:t>
+              <a:t>, a default Power BI semantic model is created with the SQL Endpoint.</a:t>
             </a:r>
           </a:p>
           <a:p>
@@ -5105,7 +5105,7 @@
                 <a:effectLst/>
                 <a:latin typeface="Segoe UI" panose="020B0502040204020203" pitchFamily="34" charset="0"/>
               </a:rPr>
-              <a:t>The default dataset is queried via the SQL Endpoint and updated via changes to the Lakehouse. You can also query the default dataset via </a:t>
+              <a:t>The default semantic model is queried via the SQL Endpoint and updated via changes to the Lakehouse. You can also query the default semantic model via </a:t>
             </a:r>
             <a:r>
               <a:rPr lang="en-US" b="0" i="0" u="none" strike="noStrike" dirty="0">
@@ -5141,7 +5141,7 @@
                 <a:effectLst/>
                 <a:latin typeface="Segoe UI" panose="020B0502040204020203" pitchFamily="34" charset="0"/>
               </a:rPr>
-              <a:t>. By default, all tables and views in the Warehouse are automatically added to the default Power BI dataset. </a:t>
+              <a:t>. By default, all tables and views in the Warehouse are automatically added to the default Power BI semantic model. </a:t>
             </a:r>
           </a:p>
           <a:p>
@@ -5162,7 +5162,7 @@
                 <a:effectLst/>
                 <a:latin typeface="Segoe UI" panose="020B0502040204020203" pitchFamily="34" charset="0"/>
               </a:rPr>
-              <a:t>The default Power BI dataset inherits all relationships between entities defined in the model view and infers them as Power BI dataset relationships, when objects are enabled for BI. Inheriting the warehouse's business logic allows a warehouse developer or BI analyst to decrease the time to value towards building a useful semantic model and metrics layer for analytical business intelligence (BI) reports</a:t>
+              <a:t>The default Power BI semantic model inherits all relationships between entities defined in the model view and infers them as Power BI semantic model relationships, when objects are enabled for BI. Inheriting the warehouse's business logic allows a warehouse developer or BI analyst to decrease the time to value towards building a useful semantic model and metrics layer for analytical business intelligence (BI) reports</a:t>
             </a:r>
             <a:endParaRPr lang="en-US" dirty="0"/>
           </a:p>
@@ -5297,7 +5297,7 @@
                 <a:effectLst/>
                 <a:latin typeface="Segoe UI" panose="020B0502040204020203" pitchFamily="34" charset="0"/>
               </a:rPr>
-              <a:t> between the different tables in the dataset in Fabric, the rules for how data is aggregated and summarized, and the calculations or </a:t>
+              <a:t> between the different tables in the semantic model in Fabric, the rules for how data is aggregated and summarized, and the calculations or </a:t>
             </a:r>
             <a:r>
               <a:rPr lang="en-US" b="0" i="1" dirty="0">
@@ -5317,7 +5317,7 @@
                 <a:effectLst/>
                 <a:latin typeface="Segoe UI" panose="020B0502040204020203" pitchFamily="34" charset="0"/>
               </a:rPr>
-              <a:t> that are used to derive insights from the data. These relationships and measures are included in the dataset, which is then used to create reports in Power BI.</a:t>
+              <a:t> that are used to derive insights from the data. These relationships and measures are included in the semantic model, which is then used to create reports in Power BI.</a:t>
             </a:r>
           </a:p>
           <a:p>
@@ -5410,7 +5410,7 @@
                 <a:effectLst/>
                 <a:latin typeface="Segoe UI" panose="020B0502040204020203" pitchFamily="34" charset="0"/>
               </a:rPr>
-              <a:t> view shows the tables in the dataset, the </a:t>
+              <a:t> view shows the tables in the semantic model, the </a:t>
             </a:r>
             <a:r>
               <a:rPr lang="en-US" b="1" i="0" dirty="0">
@@ -5430,7 +5430,7 @@
                 <a:effectLst/>
                 <a:latin typeface="Segoe UI" panose="020B0502040204020203" pitchFamily="34" charset="0"/>
               </a:rPr>
-              <a:t> view shows the SQL queries that are used to create the dataset, and the </a:t>
+              <a:t> view shows the SQL queries that are used to create the semantic model, and the </a:t>
             </a:r>
             <a:r>
               <a:rPr lang="en-US" b="1" i="0" dirty="0">
@@ -5473,7 +5473,7 @@
                 <a:effectLst/>
                 <a:latin typeface="Segoe UI" panose="020B0502040204020203" pitchFamily="34" charset="0"/>
               </a:rPr>
-              <a:t>If you can’t define all of your relationships in a warehouse, you can use the Model View in Power BI to create them in your customized dataset. After defining relationships in your dataset, you can then define measures and create visuals with Power BI.</a:t>
+              <a:t>If you can’t define all of your relationships in a warehouse, you can use the Model View in Power BI to create them in your customized semantic model. After defining relationships in your semantic model, you can then define measures and create visuals with Power BI.</a:t>
             </a:r>
           </a:p>
         </p:txBody>
@@ -5552,7 +5552,7 @@
           <a:p>
             <a:fld id="{73C44958-1AC4-45E3-BED1-8C16F0CD0A0C}" type="datetime8">
               <a:rPr lang="en-US" smtClean="0"/>
-              <a:t>9/25/2023 2:38 AM</a:t>
+              <a:t>11/21/2023 10:30 AM</a:t>
             </a:fld>
             <a:endParaRPr lang="en-US" dirty="0"/>
           </a:p>
@@ -5876,7 +5876,7 @@
           <a:p>
             <a:fld id="{73C44958-1AC4-45E3-BED1-8C16F0CD0A0C}" type="datetime8">
               <a:rPr lang="en-US" smtClean="0"/>
-              <a:t>9/25/2023 2:38 AM</a:t>
+              <a:t>11/21/2023 10:30 AM</a:t>
             </a:fld>
             <a:endParaRPr lang="en-US" dirty="0"/>
           </a:p>
@@ -6209,7 +6209,7 @@
           <a:p>
             <a:fld id="{73C44958-1AC4-45E3-BED1-8C16F0CD0A0C}" type="datetime8">
               <a:rPr lang="en-US" smtClean="0"/>
-              <a:t>9/25/2023 2:38 AM</a:t>
+              <a:t>11/21/2023 10:30 AM</a:t>
             </a:fld>
             <a:endParaRPr lang="en-US" dirty="0"/>
           </a:p>
@@ -6718,7 +6718,7 @@
           <a:p>
             <a:fld id="{73C44958-1AC4-45E3-BED1-8C16F0CD0A0C}" type="datetime8">
               <a:rPr lang="en-US" smtClean="0"/>
-              <a:t>9/25/2023 2:38 AM</a:t>
+              <a:t>11/21/2023 10:30 AM</a:t>
             </a:fld>
             <a:endParaRPr lang="en-US" dirty="0"/>
           </a:p>
@@ -6922,7 +6922,7 @@
           <a:p>
             <a:fld id="{73C44958-1AC4-45E3-BED1-8C16F0CD0A0C}" type="datetime8">
               <a:rPr lang="en-US" smtClean="0"/>
-              <a:t>9/25/2023 2:38 AM</a:t>
+              <a:t>11/21/2023 10:30 AM</a:t>
             </a:fld>
             <a:endParaRPr lang="en-US" dirty="0"/>
           </a:p>
@@ -7114,7 +7114,7 @@
           <a:p>
             <a:fld id="{73C44958-1AC4-45E3-BED1-8C16F0CD0A0C}" type="datetime8">
               <a:rPr lang="en-US" smtClean="0"/>
-              <a:t>9/25/2023 2:38 AM</a:t>
+              <a:t>11/21/2023 10:30 AM</a:t>
             </a:fld>
             <a:endParaRPr lang="en-US" dirty="0"/>
           </a:p>
@@ -21785,7 +21785,7 @@
         <p:spPr>
           <a:xfrm>
             <a:off x="584200" y="1435100"/>
-            <a:ext cx="11018838" cy="1465016"/>
+            <a:ext cx="11018838" cy="1895904"/>
           </a:xfrm>
         </p:spPr>
         <p:txBody>
@@ -21806,7 +21806,7 @@
           <a:p>
             <a:r>
               <a:rPr lang="en-US" dirty="0"/>
-              <a:t>The Power BI default dataset will inherit the dimensional model  </a:t>
+              <a:t>The Power BI default semantic model will inherit the dimensional model  </a:t>
             </a:r>
           </a:p>
         </p:txBody>
@@ -22041,7 +22041,7 @@
         <p:spPr bwMode="auto">
           <a:xfrm>
             <a:off x="7051088" y="3097161"/>
-            <a:ext cx="3383280" cy="1356852"/>
+            <a:ext cx="4118482" cy="1356852"/>
           </a:xfrm>
           <a:prstGeom prst="rect">
             <a:avLst/>
@@ -22095,7 +22095,7 @@
                 <a:ea typeface="Segoe UI" pitchFamily="34" charset="0"/>
                 <a:cs typeface="Segoe UI" pitchFamily="34" charset="0"/>
               </a:rPr>
-              <a:t>Default Dataset Star Schema</a:t>
+              <a:t>Default Semantic Model Star Schema</a:t>
             </a:r>
           </a:p>
         </p:txBody>
@@ -22114,7 +22114,7 @@
         </p:nvSpPr>
         <p:spPr bwMode="auto">
           <a:xfrm>
-            <a:off x="9613783" y="3747244"/>
+            <a:off x="10452489" y="3191300"/>
             <a:ext cx="717081" cy="563606"/>
           </a:xfrm>
           <a:prstGeom prst="star5">
@@ -22399,8 +22399,8 @@
         </p:nvSpPr>
         <p:spPr bwMode="auto">
           <a:xfrm>
-            <a:off x="7051088" y="5157979"/>
-            <a:ext cx="3383280" cy="1356852"/>
+            <a:off x="7051087" y="5157979"/>
+            <a:ext cx="4118481" cy="1356852"/>
           </a:xfrm>
           <a:prstGeom prst="rect">
             <a:avLst/>
@@ -22454,7 +22454,7 @@
                 <a:ea typeface="Segoe UI" pitchFamily="34" charset="0"/>
                 <a:cs typeface="Segoe UI" pitchFamily="34" charset="0"/>
               </a:rPr>
-              <a:t>Default Dataset Star Schema</a:t>
+              <a:t>Default Semantic Model Star Schema</a:t>
             </a:r>
           </a:p>
         </p:txBody>
@@ -22473,7 +22473,7 @@
         </p:nvSpPr>
         <p:spPr bwMode="auto">
           <a:xfrm>
-            <a:off x="9613783" y="5808062"/>
+            <a:off x="10452489" y="5244457"/>
             <a:ext cx="717081" cy="563606"/>
           </a:xfrm>
           <a:prstGeom prst="star5">
@@ -32746,18 +32746,18 @@
 </file>
 
 <file path=customXml/item1.xml><?xml version="1.0" encoding="utf-8"?>
+<p:properties xmlns:p="http://schemas.microsoft.com/office/2006/metadata/properties" xmlns:xsi="http://www.w3.org/2001/XMLSchema-instance" xmlns:pc="http://schemas.microsoft.com/office/infopath/2007/PartnerControls">
+  <documentManagement/>
+</p:properties>
+</file>
+
+<file path=customXml/item2.xml><?xml version="1.0" encoding="utf-8"?>
 <?mso-contentType ?>
 <FormTemplates xmlns="http://schemas.microsoft.com/sharepoint/v3/contenttype/forms">
   <Display>DocumentLibraryForm</Display>
   <Edit>DocumentLibraryForm</Edit>
   <New>DocumentLibraryForm</New>
 </FormTemplates>
-</file>
-
-<file path=customXml/item2.xml><?xml version="1.0" encoding="utf-8"?>
-<p:properties xmlns:p="http://schemas.microsoft.com/office/2006/metadata/properties" xmlns:xsi="http://www.w3.org/2001/XMLSchema-instance" xmlns:pc="http://schemas.microsoft.com/office/infopath/2007/PartnerControls">
-  <documentManagement/>
-</p:properties>
 </file>
 
 <file path=customXml/item3.xml><?xml version="1.0" encoding="utf-8"?>
@@ -32945,20 +32945,20 @@
 </file>
 
 <file path=customXml/itemProps1.xml><?xml version="1.0" encoding="utf-8"?>
-<ds:datastoreItem xmlns:ds="http://schemas.openxmlformats.org/officeDocument/2006/customXml" ds:itemID="{08B55F93-F793-45E6-8EF9-B02CA25D11D4}">
-  <ds:schemaRefs>
-    <ds:schemaRef ds:uri="http://schemas.microsoft.com/sharepoint/v3/contenttype/forms"/>
-  </ds:schemaRefs>
-</ds:datastoreItem>
-</file>
-
-<file path=customXml/itemProps2.xml><?xml version="1.0" encoding="utf-8"?>
 <ds:datastoreItem xmlns:ds="http://schemas.openxmlformats.org/officeDocument/2006/customXml" ds:itemID="{EDCB3B52-9508-4A63-AFCC-05E7630C15CA}">
   <ds:schemaRefs>
     <ds:schemaRef ds:uri="http://schemas.microsoft.com/office/2006/metadata/properties"/>
     <ds:schemaRef ds:uri="http://schemas.microsoft.com/office/infopath/2007/PartnerControls"/>
     <ds:schemaRef ds:uri="ec9ab3cf-5ffc-4e23-9951-e59f1d4d2772"/>
     <ds:schemaRef ds:uri="df7f103e-597c-493b-bc31-914106b908e0"/>
+  </ds:schemaRefs>
+</ds:datastoreItem>
+</file>
+
+<file path=customXml/itemProps2.xml><?xml version="1.0" encoding="utf-8"?>
+<ds:datastoreItem xmlns:ds="http://schemas.openxmlformats.org/officeDocument/2006/customXml" ds:itemID="{08B55F93-F793-45E6-8EF9-B02CA25D11D4}">
+  <ds:schemaRefs>
+    <ds:schemaRef ds:uri="http://schemas.microsoft.com/sharepoint/v3/contenttype/forms"/>
   </ds:schemaRefs>
 </ds:datastoreItem>
 </file>
